--- a/course/spring_lecture6.pptx
+++ b/course/spring_lecture6.pptx
@@ -16,24 +16,38 @@
     <p:sldId id="264" r:id="rId10"/>
     <p:sldId id="265" r:id="rId11"/>
     <p:sldId id="266" r:id="rId12"/>
-    <p:sldId id="277" r:id="rId13"/>
-    <p:sldId id="278" r:id="rId14"/>
-    <p:sldId id="279" r:id="rId15"/>
-    <p:sldId id="280" r:id="rId16"/>
-    <p:sldId id="281" r:id="rId17"/>
-    <p:sldId id="282" r:id="rId18"/>
-    <p:sldId id="283" r:id="rId19"/>
-    <p:sldId id="284" r:id="rId20"/>
-    <p:sldId id="285" r:id="rId21"/>
-    <p:sldId id="267" r:id="rId22"/>
-    <p:sldId id="268" r:id="rId23"/>
-    <p:sldId id="269" r:id="rId24"/>
-    <p:sldId id="270" r:id="rId25"/>
-    <p:sldId id="272" r:id="rId26"/>
-    <p:sldId id="273" r:id="rId27"/>
-    <p:sldId id="274" r:id="rId28"/>
-    <p:sldId id="275" r:id="rId29"/>
-    <p:sldId id="276" r:id="rId30"/>
+    <p:sldId id="286" r:id="rId13"/>
+    <p:sldId id="287" r:id="rId14"/>
+    <p:sldId id="288" r:id="rId15"/>
+    <p:sldId id="289" r:id="rId16"/>
+    <p:sldId id="293" r:id="rId17"/>
+    <p:sldId id="294" r:id="rId18"/>
+    <p:sldId id="295" r:id="rId19"/>
+    <p:sldId id="305" r:id="rId20"/>
+    <p:sldId id="306" r:id="rId21"/>
+    <p:sldId id="307" r:id="rId22"/>
+    <p:sldId id="308" r:id="rId23"/>
+    <p:sldId id="290" r:id="rId24"/>
+    <p:sldId id="291" r:id="rId25"/>
+    <p:sldId id="292" r:id="rId26"/>
+    <p:sldId id="277" r:id="rId27"/>
+    <p:sldId id="278" r:id="rId28"/>
+    <p:sldId id="279" r:id="rId29"/>
+    <p:sldId id="280" r:id="rId30"/>
+    <p:sldId id="281" r:id="rId31"/>
+    <p:sldId id="282" r:id="rId32"/>
+    <p:sldId id="283" r:id="rId33"/>
+    <p:sldId id="284" r:id="rId34"/>
+    <p:sldId id="285" r:id="rId35"/>
+    <p:sldId id="267" r:id="rId36"/>
+    <p:sldId id="268" r:id="rId37"/>
+    <p:sldId id="269" r:id="rId38"/>
+    <p:sldId id="270" r:id="rId39"/>
+    <p:sldId id="272" r:id="rId40"/>
+    <p:sldId id="273" r:id="rId41"/>
+    <p:sldId id="274" r:id="rId42"/>
+    <p:sldId id="275" r:id="rId43"/>
+    <p:sldId id="276" r:id="rId44"/>
   </p:sldIdLst>
   <p:sldSz cx="12192000" cy="6858000"/>
   <p:notesSz cx="6858000" cy="9144000"/>
@@ -3849,7 +3863,7 @@
         </p:nvSpPr>
         <p:spPr>
           <a:xfrm>
-            <a:off x="4030668" y="2444004"/>
+            <a:off x="4030668" y="2161782"/>
             <a:ext cx="4898843" cy="1071563"/>
           </a:xfrm>
         </p:spPr>
@@ -4082,6 +4096,13 @@
   <p:clrMapOvr>
     <a:masterClrMapping/>
   </p:clrMapOvr>
+  <p:timing>
+    <p:tnLst>
+      <p:par>
+        <p:cTn id="1" dur="indefinite" restart="never" nodeType="tmRoot"/>
+      </p:par>
+    </p:tnLst>
+  </p:timing>
 </p:sld>
 </file>
 
@@ -4119,7 +4140,7 @@
           <a:p>
             <a:r>
               <a:rPr lang="en-US" dirty="0" smtClean="0"/>
-              <a:t>Spring JDBC table update</a:t>
+              <a:t>DAO Bean</a:t>
             </a:r>
             <a:endParaRPr lang="en-GB" dirty="0"/>
           </a:p>
@@ -4141,8 +4162,8 @@
         </p:blipFill>
         <p:spPr>
           <a:xfrm>
-            <a:off x="1314098" y="2030060"/>
-            <a:ext cx="5447946" cy="3628538"/>
+            <a:off x="1229960" y="2003954"/>
+            <a:ext cx="6638925" cy="2714625"/>
           </a:xfrm>
           <a:prstGeom prst="rect">
             <a:avLst/>
@@ -4152,13 +4173,20 @@
     </p:spTree>
     <p:extLst>
       <p:ext uri="{BB962C8B-B14F-4D97-AF65-F5344CB8AC3E}">
-        <p14:creationId xmlns:p14="http://schemas.microsoft.com/office/powerpoint/2010/main" val="3960714629"/>
+        <p14:creationId xmlns:p14="http://schemas.microsoft.com/office/powerpoint/2010/main" val="1200981260"/>
       </p:ext>
     </p:extLst>
   </p:cSld>
   <p:clrMapOvr>
     <a:masterClrMapping/>
   </p:clrMapOvr>
+  <p:timing>
+    <p:tnLst>
+      <p:par>
+        <p:cTn id="1" dur="indefinite" restart="never" nodeType="tmRoot"/>
+      </p:par>
+    </p:tnLst>
+  </p:timing>
 </p:sld>
 </file>
 
@@ -4196,7 +4224,7 @@
           <a:p>
             <a:r>
               <a:rPr lang="en-US" dirty="0" smtClean="0"/>
-              <a:t>Spring JDBC table update</a:t>
+              <a:t>DAO Execution</a:t>
             </a:r>
             <a:endParaRPr lang="en-GB" dirty="0"/>
           </a:p>
@@ -4218,8 +4246,8 @@
         </p:blipFill>
         <p:spPr>
           <a:xfrm>
-            <a:off x="1256417" y="2034117"/>
-            <a:ext cx="5095875" cy="2247900"/>
+            <a:off x="1196622" y="1977143"/>
+            <a:ext cx="6705600" cy="3400425"/>
           </a:xfrm>
           <a:prstGeom prst="rect">
             <a:avLst/>
@@ -4229,13 +4257,20 @@
     </p:spTree>
     <p:extLst>
       <p:ext uri="{BB962C8B-B14F-4D97-AF65-F5344CB8AC3E}">
-        <p14:creationId xmlns:p14="http://schemas.microsoft.com/office/powerpoint/2010/main" val="3352768951"/>
+        <p14:creationId xmlns:p14="http://schemas.microsoft.com/office/powerpoint/2010/main" val="2853627645"/>
       </p:ext>
     </p:extLst>
   </p:cSld>
   <p:clrMapOvr>
     <a:masterClrMapping/>
   </p:clrMapOvr>
+  <p:timing>
+    <p:tnLst>
+      <p:par>
+        <p:cTn id="1" dur="indefinite" restart="never" nodeType="tmRoot"/>
+      </p:par>
+    </p:tnLst>
+  </p:timing>
 </p:sld>
 </file>
 
@@ -4273,7 +4308,7 @@
           <a:p>
             <a:r>
               <a:rPr lang="en-US" dirty="0" smtClean="0"/>
-              <a:t>DAO interface</a:t>
+              <a:t>Typed row to object mapping</a:t>
             </a:r>
             <a:endParaRPr lang="en-GB" dirty="0"/>
           </a:p>
@@ -4295,8 +4330,8 @@
         </p:blipFill>
         <p:spPr>
           <a:xfrm>
-            <a:off x="1209145" y="1984903"/>
-            <a:ext cx="5480733" cy="1740430"/>
+            <a:off x="1229078" y="1839383"/>
+            <a:ext cx="6324600" cy="3314700"/>
           </a:xfrm>
           <a:prstGeom prst="rect">
             <a:avLst/>
@@ -4306,13 +4341,20 @@
     </p:spTree>
     <p:extLst>
       <p:ext uri="{BB962C8B-B14F-4D97-AF65-F5344CB8AC3E}">
-        <p14:creationId xmlns:p14="http://schemas.microsoft.com/office/powerpoint/2010/main" val="3518967828"/>
+        <p14:creationId xmlns:p14="http://schemas.microsoft.com/office/powerpoint/2010/main" val="2209529476"/>
       </p:ext>
     </p:extLst>
   </p:cSld>
   <p:clrMapOvr>
     <a:masterClrMapping/>
   </p:clrMapOvr>
+  <p:timing>
+    <p:tnLst>
+      <p:par>
+        <p:cTn id="1" dur="indefinite" restart="never" nodeType="tmRoot"/>
+      </p:par>
+    </p:tnLst>
+  </p:timing>
 </p:sld>
 </file>
 
@@ -4343,53 +4385,42 @@
             <p:ph type="title"/>
           </p:nvPr>
         </p:nvSpPr>
-        <p:spPr/>
-        <p:txBody>
-          <a:bodyPr/>
-          <a:lstStyle/>
-          <a:p>
+        <p:spPr>
+          <a:xfrm>
+            <a:off x="1085991" y="2126692"/>
+            <a:ext cx="10058400" cy="1450757"/>
+          </a:xfrm>
+        </p:spPr>
+        <p:txBody>
+          <a:bodyPr/>
+          <a:lstStyle/>
+          <a:p>
+            <a:pPr algn="ctr"/>
             <a:r>
               <a:rPr lang="en-US" dirty="0" smtClean="0"/>
-              <a:t>Set DAO</a:t>
+              <a:t>Spring query object</a:t>
             </a:r>
             <a:endParaRPr lang="en-GB" dirty="0"/>
           </a:p>
         </p:txBody>
       </p:sp>
-      <p:pic>
-        <p:nvPicPr>
-          <p:cNvPr id="4" name="Picture 3"/>
-          <p:cNvPicPr>
-            <a:picLocks noChangeAspect="1"/>
-          </p:cNvPicPr>
-          <p:nvPr/>
-        </p:nvPicPr>
-        <p:blipFill>
-          <a:blip r:embed="rId2"/>
-          <a:stretch>
-            <a:fillRect/>
-          </a:stretch>
-        </p:blipFill>
-        <p:spPr>
-          <a:xfrm>
-            <a:off x="1224140" y="1997005"/>
-            <a:ext cx="5683040" cy="2258906"/>
-          </a:xfrm>
-          <a:prstGeom prst="rect">
-            <a:avLst/>
-          </a:prstGeom>
-        </p:spPr>
-      </p:pic>
     </p:spTree>
     <p:extLst>
       <p:ext uri="{BB962C8B-B14F-4D97-AF65-F5344CB8AC3E}">
-        <p14:creationId xmlns:p14="http://schemas.microsoft.com/office/powerpoint/2010/main" val="3475690581"/>
+        <p14:creationId xmlns:p14="http://schemas.microsoft.com/office/powerpoint/2010/main" val="906026866"/>
       </p:ext>
     </p:extLst>
   </p:cSld>
   <p:clrMapOvr>
     <a:masterClrMapping/>
   </p:clrMapOvr>
+  <p:timing>
+    <p:tnLst>
+      <p:par>
+        <p:cTn id="1" dur="indefinite" restart="never" nodeType="tmRoot"/>
+      </p:par>
+    </p:tnLst>
+  </p:timing>
 </p:sld>
 </file>
 
@@ -4427,7 +4458,7 @@
           <a:p>
             <a:r>
               <a:rPr lang="en-US" dirty="0" smtClean="0"/>
-              <a:t>Implement parameter mapping</a:t>
+              <a:t>Spring query object</a:t>
             </a:r>
             <a:endParaRPr lang="en-GB" dirty="0"/>
           </a:p>
@@ -4449,8 +4480,8 @@
         </p:blipFill>
         <p:spPr>
           <a:xfrm>
-            <a:off x="1097280" y="1986668"/>
-            <a:ext cx="5276850" cy="2162175"/>
+            <a:off x="1178278" y="1861256"/>
+            <a:ext cx="6019800" cy="4038600"/>
           </a:xfrm>
           <a:prstGeom prst="rect">
             <a:avLst/>
@@ -4460,13 +4491,20 @@
     </p:spTree>
     <p:extLst>
       <p:ext uri="{BB962C8B-B14F-4D97-AF65-F5344CB8AC3E}">
-        <p14:creationId xmlns:p14="http://schemas.microsoft.com/office/powerpoint/2010/main" val="2937566408"/>
+        <p14:creationId xmlns:p14="http://schemas.microsoft.com/office/powerpoint/2010/main" val="2938433882"/>
       </p:ext>
     </p:extLst>
   </p:cSld>
   <p:clrMapOvr>
     <a:masterClrMapping/>
   </p:clrMapOvr>
+  <p:timing>
+    <p:tnLst>
+      <p:par>
+        <p:cTn id="1" dur="indefinite" restart="never" nodeType="tmRoot"/>
+      </p:par>
+    </p:tnLst>
+  </p:timing>
 </p:sld>
 </file>
 
@@ -4504,7 +4542,7 @@
           <a:p>
             <a:r>
               <a:rPr lang="en-US" dirty="0" smtClean="0"/>
-              <a:t>Implement save</a:t>
+              <a:t>Spring query object process</a:t>
             </a:r>
             <a:endParaRPr lang="en-GB" dirty="0"/>
           </a:p>
@@ -4526,8 +4564,8 @@
         </p:blipFill>
         <p:spPr>
           <a:xfrm>
-            <a:off x="1097280" y="2018948"/>
-            <a:ext cx="5200650" cy="3181350"/>
+            <a:off x="1231370" y="1972909"/>
+            <a:ext cx="6410325" cy="3476625"/>
           </a:xfrm>
           <a:prstGeom prst="rect">
             <a:avLst/>
@@ -4537,13 +4575,20 @@
     </p:spTree>
     <p:extLst>
       <p:ext uri="{BB962C8B-B14F-4D97-AF65-F5344CB8AC3E}">
-        <p14:creationId xmlns:p14="http://schemas.microsoft.com/office/powerpoint/2010/main" val="139263286"/>
+        <p14:creationId xmlns:p14="http://schemas.microsoft.com/office/powerpoint/2010/main" val="1495418787"/>
       </p:ext>
     </p:extLst>
   </p:cSld>
   <p:clrMapOvr>
     <a:masterClrMapping/>
   </p:clrMapOvr>
+  <p:timing>
+    <p:tnLst>
+      <p:par>
+        <p:cTn id="1" dur="indefinite" restart="never" nodeType="tmRoot"/>
+      </p:par>
+    </p:tnLst>
+  </p:timing>
 </p:sld>
 </file>
 
@@ -4581,7 +4626,7 @@
           <a:p>
             <a:r>
               <a:rPr lang="en-US" dirty="0" smtClean="0"/>
-              <a:t>Implement delete</a:t>
+              <a:t>Spring query object process</a:t>
             </a:r>
             <a:endParaRPr lang="en-GB" dirty="0"/>
           </a:p>
@@ -4603,8 +4648,8 @@
         </p:blipFill>
         <p:spPr>
           <a:xfrm>
-            <a:off x="1196799" y="2060928"/>
-            <a:ext cx="5305425" cy="1562100"/>
+            <a:off x="1238073" y="1961621"/>
+            <a:ext cx="6238875" cy="3476625"/>
           </a:xfrm>
           <a:prstGeom prst="rect">
             <a:avLst/>
@@ -4614,13 +4659,20 @@
     </p:spTree>
     <p:extLst>
       <p:ext uri="{BB962C8B-B14F-4D97-AF65-F5344CB8AC3E}">
-        <p14:creationId xmlns:p14="http://schemas.microsoft.com/office/powerpoint/2010/main" val="4158037612"/>
+        <p14:creationId xmlns:p14="http://schemas.microsoft.com/office/powerpoint/2010/main" val="3007926657"/>
       </p:ext>
     </p:extLst>
   </p:cSld>
   <p:clrMapOvr>
     <a:masterClrMapping/>
   </p:clrMapOvr>
+  <p:timing>
+    <p:tnLst>
+      <p:par>
+        <p:cTn id="1" dur="indefinite" restart="never" nodeType="tmRoot"/>
+      </p:par>
+    </p:tnLst>
+  </p:timing>
 </p:sld>
 </file>
 
@@ -4658,7 +4710,7 @@
           <a:p>
             <a:r>
               <a:rPr lang="en-US" dirty="0" smtClean="0"/>
-              <a:t>DAO Bean</a:t>
+              <a:t>Setup DAO</a:t>
             </a:r>
             <a:endParaRPr lang="en-GB" dirty="0"/>
           </a:p>
@@ -4680,8 +4732,8 @@
         </p:blipFill>
         <p:spPr>
           <a:xfrm>
-            <a:off x="1198562" y="2051755"/>
-            <a:ext cx="5324475" cy="3048000"/>
+            <a:off x="1210169" y="2040995"/>
+            <a:ext cx="6477000" cy="2505075"/>
           </a:xfrm>
           <a:prstGeom prst="rect">
             <a:avLst/>
@@ -4691,13 +4743,20 @@
     </p:spTree>
     <p:extLst>
       <p:ext uri="{BB962C8B-B14F-4D97-AF65-F5344CB8AC3E}">
-        <p14:creationId xmlns:p14="http://schemas.microsoft.com/office/powerpoint/2010/main" val="2886438501"/>
+        <p14:creationId xmlns:p14="http://schemas.microsoft.com/office/powerpoint/2010/main" val="205268192"/>
       </p:ext>
     </p:extLst>
   </p:cSld>
   <p:clrMapOvr>
     <a:masterClrMapping/>
   </p:clrMapOvr>
+  <p:timing>
+    <p:tnLst>
+      <p:par>
+        <p:cTn id="1" dur="indefinite" restart="never" nodeType="tmRoot"/>
+      </p:par>
+    </p:tnLst>
+  </p:timing>
 </p:sld>
 </file>
 
@@ -4854,7 +4913,7 @@
           <a:p>
             <a:r>
               <a:rPr lang="en-US" dirty="0" smtClean="0"/>
-              <a:t>Instantiate container</a:t>
+              <a:t>Implement spring query object</a:t>
             </a:r>
             <a:endParaRPr lang="en-GB" dirty="0"/>
           </a:p>
@@ -4876,8 +4935,8 @@
         </p:blipFill>
         <p:spPr>
           <a:xfrm>
-            <a:off x="1257475" y="1896532"/>
-            <a:ext cx="5617458" cy="2783149"/>
+            <a:off x="1195564" y="2029354"/>
+            <a:ext cx="6572250" cy="3476625"/>
           </a:xfrm>
           <a:prstGeom prst="rect">
             <a:avLst/>
@@ -4887,13 +4946,20 @@
     </p:spTree>
     <p:extLst>
       <p:ext uri="{BB962C8B-B14F-4D97-AF65-F5344CB8AC3E}">
-        <p14:creationId xmlns:p14="http://schemas.microsoft.com/office/powerpoint/2010/main" val="4146894003"/>
+        <p14:creationId xmlns:p14="http://schemas.microsoft.com/office/powerpoint/2010/main" val="2075143857"/>
       </p:ext>
     </p:extLst>
   </p:cSld>
   <p:clrMapOvr>
     <a:masterClrMapping/>
   </p:clrMapOvr>
+  <p:timing>
+    <p:tnLst>
+      <p:par>
+        <p:cTn id="1" dur="indefinite" restart="never" nodeType="tmRoot"/>
+      </p:par>
+    </p:tnLst>
+  </p:timing>
 </p:sld>
 </file>
 
@@ -4931,7 +4997,7 @@
           <a:p>
             <a:r>
               <a:rPr lang="en-US" dirty="0" smtClean="0"/>
-              <a:t>Acquire beans</a:t>
+              <a:t>Initialize and cache spring query object</a:t>
             </a:r>
             <a:endParaRPr lang="en-GB" dirty="0"/>
           </a:p>
@@ -4953,8 +5019,8 @@
         </p:blipFill>
         <p:spPr>
           <a:xfrm>
-            <a:off x="1196798" y="2006423"/>
-            <a:ext cx="5305425" cy="3228975"/>
+            <a:off x="1240190" y="2035527"/>
+            <a:ext cx="6505575" cy="3238500"/>
           </a:xfrm>
           <a:prstGeom prst="rect">
             <a:avLst/>
@@ -4964,13 +5030,20 @@
     </p:spTree>
     <p:extLst>
       <p:ext uri="{BB962C8B-B14F-4D97-AF65-F5344CB8AC3E}">
-        <p14:creationId xmlns:p14="http://schemas.microsoft.com/office/powerpoint/2010/main" val="810850914"/>
+        <p14:creationId xmlns:p14="http://schemas.microsoft.com/office/powerpoint/2010/main" val="1099972247"/>
       </p:ext>
     </p:extLst>
   </p:cSld>
   <p:clrMapOvr>
     <a:masterClrMapping/>
   </p:clrMapOvr>
+  <p:timing>
+    <p:tnLst>
+      <p:par>
+        <p:cTn id="1" dur="indefinite" restart="never" nodeType="tmRoot"/>
+      </p:par>
+    </p:tnLst>
+  </p:timing>
 </p:sld>
 </file>
 
@@ -5008,7 +5081,7 @@
           <a:p>
             <a:r>
               <a:rPr lang="en-US" dirty="0" smtClean="0"/>
-              <a:t>Setup customer object</a:t>
+              <a:t>Integrate spring query object</a:t>
             </a:r>
             <a:endParaRPr lang="en-GB" dirty="0"/>
           </a:p>
@@ -5030,8 +5103,8 @@
         </p:blipFill>
         <p:spPr>
           <a:xfrm>
-            <a:off x="1240189" y="1985080"/>
-            <a:ext cx="5722629" cy="2124075"/>
+            <a:off x="1266825" y="1942218"/>
+            <a:ext cx="6610350" cy="3876675"/>
           </a:xfrm>
           <a:prstGeom prst="rect">
             <a:avLst/>
@@ -5041,13 +5114,20 @@
     </p:spTree>
     <p:extLst>
       <p:ext uri="{BB962C8B-B14F-4D97-AF65-F5344CB8AC3E}">
-        <p14:creationId xmlns:p14="http://schemas.microsoft.com/office/powerpoint/2010/main" val="2619789551"/>
+        <p14:creationId xmlns:p14="http://schemas.microsoft.com/office/powerpoint/2010/main" val="1192975038"/>
       </p:ext>
     </p:extLst>
   </p:cSld>
   <p:clrMapOvr>
     <a:masterClrMapping/>
   </p:clrMapOvr>
+  <p:timing>
+    <p:tnLst>
+      <p:par>
+        <p:cTn id="1" dur="indefinite" restart="never" nodeType="tmRoot"/>
+      </p:par>
+    </p:tnLst>
+  </p:timing>
 </p:sld>
 </file>
 
@@ -5085,7 +5165,7 @@
           <a:p>
             <a:r>
               <a:rPr lang="en-US" dirty="0" smtClean="0"/>
-              <a:t>Save customer object</a:t>
+              <a:t>DAO Bean</a:t>
             </a:r>
             <a:endParaRPr lang="en-GB" dirty="0"/>
           </a:p>
@@ -5093,7 +5173,7 @@
       </p:sp>
       <p:pic>
         <p:nvPicPr>
-          <p:cNvPr id="3" name="Picture 2"/>
+          <p:cNvPr id="4" name="Picture 3"/>
           <p:cNvPicPr>
             <a:picLocks noChangeAspect="1"/>
           </p:cNvPicPr>
@@ -5107,8 +5187,8 @@
         </p:blipFill>
         <p:spPr>
           <a:xfrm>
-            <a:off x="1266824" y="1991430"/>
-            <a:ext cx="6025798" cy="3768785"/>
+            <a:off x="1247776" y="1948744"/>
+            <a:ext cx="6648450" cy="2667000"/>
           </a:xfrm>
           <a:prstGeom prst="rect">
             <a:avLst/>
@@ -5118,13 +5198,20 @@
     </p:spTree>
     <p:extLst>
       <p:ext uri="{BB962C8B-B14F-4D97-AF65-F5344CB8AC3E}">
-        <p14:creationId xmlns:p14="http://schemas.microsoft.com/office/powerpoint/2010/main" val="664269936"/>
+        <p14:creationId xmlns:p14="http://schemas.microsoft.com/office/powerpoint/2010/main" val="1996697997"/>
       </p:ext>
     </p:extLst>
   </p:cSld>
   <p:clrMapOvr>
     <a:masterClrMapping/>
   </p:clrMapOvr>
+  <p:timing>
+    <p:tnLst>
+      <p:par>
+        <p:cTn id="1" dur="indefinite" restart="never" nodeType="tmRoot"/>
+      </p:par>
+    </p:tnLst>
+  </p:timing>
 </p:sld>
 </file>
 
@@ -5162,7 +5249,7 @@
           <a:p>
             <a:r>
               <a:rPr lang="en-US" dirty="0" smtClean="0"/>
-              <a:t>Update customer object</a:t>
+              <a:t>DAO Execution</a:t>
             </a:r>
             <a:endParaRPr lang="en-GB" dirty="0"/>
           </a:p>
@@ -5170,7 +5257,7 @@
       </p:sp>
       <p:pic>
         <p:nvPicPr>
-          <p:cNvPr id="3" name="Picture 2"/>
+          <p:cNvPr id="4" name="Picture 3"/>
           <p:cNvPicPr>
             <a:picLocks noChangeAspect="1"/>
           </p:cNvPicPr>
@@ -5184,8 +5271,8 @@
         </p:blipFill>
         <p:spPr>
           <a:xfrm>
-            <a:off x="1271058" y="1969735"/>
-            <a:ext cx="6269919" cy="3901059"/>
+            <a:off x="1244036" y="2020887"/>
+            <a:ext cx="6515100" cy="3629025"/>
           </a:xfrm>
           <a:prstGeom prst="rect">
             <a:avLst/>
@@ -5195,13 +5282,20 @@
     </p:spTree>
     <p:extLst>
       <p:ext uri="{BB962C8B-B14F-4D97-AF65-F5344CB8AC3E}">
-        <p14:creationId xmlns:p14="http://schemas.microsoft.com/office/powerpoint/2010/main" val="1253998703"/>
+        <p14:creationId xmlns:p14="http://schemas.microsoft.com/office/powerpoint/2010/main" val="289626114"/>
       </p:ext>
     </p:extLst>
   </p:cSld>
   <p:clrMapOvr>
     <a:masterClrMapping/>
   </p:clrMapOvr>
+  <p:timing>
+    <p:tnLst>
+      <p:par>
+        <p:cTn id="1" dur="indefinite" restart="never" nodeType="tmRoot"/>
+      </p:par>
+    </p:tnLst>
+  </p:timing>
 </p:sld>
 </file>
 
@@ -5232,77 +5326,42 @@
             <p:ph type="title"/>
           </p:nvPr>
         </p:nvSpPr>
-        <p:spPr/>
-        <p:txBody>
-          <a:bodyPr/>
-          <a:lstStyle/>
-          <a:p>
+        <p:spPr>
+          <a:xfrm>
+            <a:off x="1198880" y="1968648"/>
+            <a:ext cx="10058400" cy="1450757"/>
+          </a:xfrm>
+        </p:spPr>
+        <p:txBody>
+          <a:bodyPr/>
+          <a:lstStyle/>
+          <a:p>
+            <a:pPr algn="ctr"/>
             <a:r>
               <a:rPr lang="en-US" dirty="0" smtClean="0"/>
-              <a:t>Delete customer object</a:t>
+              <a:t>Modifying the databases</a:t>
             </a:r>
             <a:endParaRPr lang="en-GB" dirty="0"/>
           </a:p>
         </p:txBody>
       </p:sp>
-      <p:pic>
-        <p:nvPicPr>
-          <p:cNvPr id="4" name="Picture 3"/>
-          <p:cNvPicPr>
-            <a:picLocks noChangeAspect="1"/>
-          </p:cNvPicPr>
-          <p:nvPr/>
-        </p:nvPicPr>
-        <p:blipFill>
-          <a:blip r:embed="rId2"/>
-          <a:stretch>
-            <a:fillRect/>
-          </a:stretch>
-        </p:blipFill>
-        <p:spPr>
-          <a:xfrm>
-            <a:off x="1274585" y="1904999"/>
-            <a:ext cx="5668081" cy="3227377"/>
-          </a:xfrm>
-          <a:prstGeom prst="rect">
-            <a:avLst/>
-          </a:prstGeom>
-        </p:spPr>
-      </p:pic>
-      <p:pic>
-        <p:nvPicPr>
-          <p:cNvPr id="5" name="Picture 4"/>
-          <p:cNvPicPr>
-            <a:picLocks noChangeAspect="1"/>
-          </p:cNvPicPr>
-          <p:nvPr/>
-        </p:nvPicPr>
-        <p:blipFill>
-          <a:blip r:embed="rId3"/>
-          <a:stretch>
-            <a:fillRect/>
-          </a:stretch>
-        </p:blipFill>
-        <p:spPr>
-          <a:xfrm>
-            <a:off x="1421341" y="5132376"/>
-            <a:ext cx="5238750" cy="352425"/>
-          </a:xfrm>
-          <a:prstGeom prst="rect">
-            <a:avLst/>
-          </a:prstGeom>
-        </p:spPr>
-      </p:pic>
     </p:spTree>
     <p:extLst>
       <p:ext uri="{BB962C8B-B14F-4D97-AF65-F5344CB8AC3E}">
-        <p14:creationId xmlns:p14="http://schemas.microsoft.com/office/powerpoint/2010/main" val="37307351"/>
+        <p14:creationId xmlns:p14="http://schemas.microsoft.com/office/powerpoint/2010/main" val="3090008891"/>
       </p:ext>
     </p:extLst>
   </p:cSld>
   <p:clrMapOvr>
     <a:masterClrMapping/>
   </p:clrMapOvr>
+  <p:timing>
+    <p:tnLst>
+      <p:par>
+        <p:cTn id="1" dur="indefinite" restart="never" nodeType="tmRoot"/>
+      </p:par>
+    </p:tnLst>
+  </p:timing>
 </p:sld>
 </file>
 
@@ -5340,7 +5399,7 @@
           <a:p>
             <a:r>
               <a:rPr lang="en-US" dirty="0" smtClean="0"/>
-              <a:t>Update customer object</a:t>
+              <a:t>Spring JDBC table update</a:t>
             </a:r>
             <a:endParaRPr lang="en-GB" dirty="0"/>
           </a:p>
@@ -5362,32 +5421,8 @@
         </p:blipFill>
         <p:spPr>
           <a:xfrm>
-            <a:off x="1200326" y="1891946"/>
-            <a:ext cx="5922963" cy="3357401"/>
-          </a:xfrm>
-          <a:prstGeom prst="rect">
-            <a:avLst/>
-          </a:prstGeom>
-        </p:spPr>
-      </p:pic>
-      <p:pic>
-        <p:nvPicPr>
-          <p:cNvPr id="5" name="Picture 4"/>
-          <p:cNvPicPr>
-            <a:picLocks noChangeAspect="1"/>
-          </p:cNvPicPr>
-          <p:nvPr/>
-        </p:nvPicPr>
-        <p:blipFill>
-          <a:blip r:embed="rId3"/>
-          <a:stretch>
-            <a:fillRect/>
-          </a:stretch>
-        </p:blipFill>
-        <p:spPr>
-          <a:xfrm>
-            <a:off x="1398939" y="5249347"/>
-            <a:ext cx="5172075" cy="342900"/>
+            <a:off x="1314098" y="2030060"/>
+            <a:ext cx="5447946" cy="3628538"/>
           </a:xfrm>
           <a:prstGeom prst="rect">
             <a:avLst/>
@@ -5397,13 +5432,20 @@
     </p:spTree>
     <p:extLst>
       <p:ext uri="{BB962C8B-B14F-4D97-AF65-F5344CB8AC3E}">
-        <p14:creationId xmlns:p14="http://schemas.microsoft.com/office/powerpoint/2010/main" val="4235930768"/>
+        <p14:creationId xmlns:p14="http://schemas.microsoft.com/office/powerpoint/2010/main" val="3960714629"/>
       </p:ext>
     </p:extLst>
   </p:cSld>
   <p:clrMapOvr>
     <a:masterClrMapping/>
   </p:clrMapOvr>
+  <p:timing>
+    <p:tnLst>
+      <p:par>
+        <p:cTn id="1" dur="indefinite" restart="never" nodeType="tmRoot"/>
+      </p:par>
+    </p:tnLst>
+  </p:timing>
 </p:sld>
 </file>
 
@@ -5441,7 +5483,7 @@
           <a:p>
             <a:r>
               <a:rPr lang="en-US" dirty="0" smtClean="0"/>
-              <a:t>Delete customer object</a:t>
+              <a:t>Spring JDBC table update</a:t>
             </a:r>
             <a:endParaRPr lang="en-GB" dirty="0"/>
           </a:p>
@@ -5463,32 +5505,8 @@
         </p:blipFill>
         <p:spPr>
           <a:xfrm>
-            <a:off x="1221669" y="1887184"/>
-            <a:ext cx="5879042" cy="3313453"/>
-          </a:xfrm>
-          <a:prstGeom prst="rect">
-            <a:avLst/>
-          </a:prstGeom>
-        </p:spPr>
-      </p:pic>
-      <p:pic>
-        <p:nvPicPr>
-          <p:cNvPr id="5" name="Picture 4"/>
-          <p:cNvPicPr>
-            <a:picLocks noChangeAspect="1"/>
-          </p:cNvPicPr>
-          <p:nvPr/>
-        </p:nvPicPr>
-        <p:blipFill>
-          <a:blip r:embed="rId3"/>
-          <a:stretch>
-            <a:fillRect/>
-          </a:stretch>
-        </p:blipFill>
-        <p:spPr>
-          <a:xfrm>
-            <a:off x="1434570" y="5200637"/>
-            <a:ext cx="5191125" cy="342900"/>
+            <a:off x="1256417" y="2034117"/>
+            <a:ext cx="5095875" cy="2247900"/>
           </a:xfrm>
           <a:prstGeom prst="rect">
             <a:avLst/>
@@ -5498,13 +5516,20 @@
     </p:spTree>
     <p:extLst>
       <p:ext uri="{BB962C8B-B14F-4D97-AF65-F5344CB8AC3E}">
-        <p14:creationId xmlns:p14="http://schemas.microsoft.com/office/powerpoint/2010/main" val="2539931324"/>
+        <p14:creationId xmlns:p14="http://schemas.microsoft.com/office/powerpoint/2010/main" val="3352768951"/>
       </p:ext>
     </p:extLst>
   </p:cSld>
   <p:clrMapOvr>
     <a:masterClrMapping/>
   </p:clrMapOvr>
+  <p:timing>
+    <p:tnLst>
+      <p:par>
+        <p:cTn id="1" dur="indefinite" restart="never" nodeType="tmRoot"/>
+      </p:par>
+    </p:tnLst>
+  </p:timing>
 </p:sld>
 </file>
 
@@ -5542,7 +5567,7 @@
           <a:p>
             <a:r>
               <a:rPr lang="en-US" dirty="0" smtClean="0"/>
-              <a:t>Summary </a:t>
+              <a:t>DAO interface</a:t>
             </a:r>
             <a:endParaRPr lang="en-GB" dirty="0"/>
           </a:p>
@@ -5564,8 +5589,8 @@
         </p:blipFill>
         <p:spPr>
           <a:xfrm>
-            <a:off x="1200996" y="1868487"/>
-            <a:ext cx="5916689" cy="3809824"/>
+            <a:off x="1209145" y="1984903"/>
+            <a:ext cx="5480733" cy="1740430"/>
           </a:xfrm>
           <a:prstGeom prst="rect">
             <a:avLst/>
@@ -5575,13 +5600,20 @@
     </p:spTree>
     <p:extLst>
       <p:ext uri="{BB962C8B-B14F-4D97-AF65-F5344CB8AC3E}">
-        <p14:creationId xmlns:p14="http://schemas.microsoft.com/office/powerpoint/2010/main" val="1158744891"/>
+        <p14:creationId xmlns:p14="http://schemas.microsoft.com/office/powerpoint/2010/main" val="3518967828"/>
       </p:ext>
     </p:extLst>
   </p:cSld>
   <p:clrMapOvr>
     <a:masterClrMapping/>
   </p:clrMapOvr>
+  <p:timing>
+    <p:tnLst>
+      <p:par>
+        <p:cTn id="1" dur="indefinite" restart="never" nodeType="tmRoot"/>
+      </p:par>
+    </p:tnLst>
+  </p:timing>
 </p:sld>
 </file>
 
@@ -5619,7 +5651,7 @@
           <a:p>
             <a:r>
               <a:rPr lang="en-US" dirty="0" smtClean="0"/>
-              <a:t>Summary </a:t>
+              <a:t>Set DAO</a:t>
             </a:r>
             <a:endParaRPr lang="en-GB" dirty="0"/>
           </a:p>
@@ -5641,8 +5673,8 @@
         </p:blipFill>
         <p:spPr>
           <a:xfrm>
-            <a:off x="1198209" y="1961973"/>
-            <a:ext cx="5353105" cy="2271360"/>
+            <a:off x="1224140" y="1997005"/>
+            <a:ext cx="5683040" cy="2258906"/>
           </a:xfrm>
           <a:prstGeom prst="rect">
             <a:avLst/>
@@ -5652,13 +5684,20 @@
     </p:spTree>
     <p:extLst>
       <p:ext uri="{BB962C8B-B14F-4D97-AF65-F5344CB8AC3E}">
-        <p14:creationId xmlns:p14="http://schemas.microsoft.com/office/powerpoint/2010/main" val="2911356240"/>
+        <p14:creationId xmlns:p14="http://schemas.microsoft.com/office/powerpoint/2010/main" val="3475690581"/>
       </p:ext>
     </p:extLst>
   </p:cSld>
   <p:clrMapOvr>
     <a:masterClrMapping/>
   </p:clrMapOvr>
+  <p:timing>
+    <p:tnLst>
+      <p:par>
+        <p:cTn id="1" dur="indefinite" restart="never" nodeType="tmRoot"/>
+      </p:par>
+    </p:tnLst>
+  </p:timing>
 </p:sld>
 </file>
 
@@ -5711,6 +5750,870 @@
     <p:extLst>
       <p:ext uri="{BB962C8B-B14F-4D97-AF65-F5344CB8AC3E}">
         <p14:creationId xmlns:p14="http://schemas.microsoft.com/office/powerpoint/2010/main" val="2958291517"/>
+      </p:ext>
+    </p:extLst>
+  </p:cSld>
+  <p:clrMapOvr>
+    <a:masterClrMapping/>
+  </p:clrMapOvr>
+  <p:timing>
+    <p:tnLst>
+      <p:par>
+        <p:cTn id="1" dur="indefinite" restart="never" nodeType="tmRoot"/>
+      </p:par>
+    </p:tnLst>
+  </p:timing>
+</p:sld>
+</file>
+
+<file path=ppt/slides/slide30.xml><?xml version="1.0" encoding="utf-8"?>
+<p:sld xmlns:a="http://schemas.openxmlformats.org/drawingml/2006/main" xmlns:r="http://schemas.openxmlformats.org/officeDocument/2006/relationships" xmlns:p="http://schemas.openxmlformats.org/presentationml/2006/main">
+  <p:cSld>
+    <p:spTree>
+      <p:nvGrpSpPr>
+        <p:cNvPr id="1" name=""/>
+        <p:cNvGrpSpPr/>
+        <p:nvPr/>
+      </p:nvGrpSpPr>
+      <p:grpSpPr>
+        <a:xfrm>
+          <a:off x="0" y="0"/>
+          <a:ext cx="0" cy="0"/>
+          <a:chOff x="0" y="0"/>
+          <a:chExt cx="0" cy="0"/>
+        </a:xfrm>
+      </p:grpSpPr>
+      <p:sp>
+        <p:nvSpPr>
+          <p:cNvPr id="2" name="Title 1"/>
+          <p:cNvSpPr>
+            <a:spLocks noGrp="1"/>
+          </p:cNvSpPr>
+          <p:nvPr>
+            <p:ph type="title"/>
+          </p:nvPr>
+        </p:nvSpPr>
+        <p:spPr/>
+        <p:txBody>
+          <a:bodyPr/>
+          <a:lstStyle/>
+          <a:p>
+            <a:r>
+              <a:rPr lang="en-US" dirty="0" smtClean="0"/>
+              <a:t>Implement parameter mapping</a:t>
+            </a:r>
+            <a:endParaRPr lang="en-GB" dirty="0"/>
+          </a:p>
+        </p:txBody>
+      </p:sp>
+      <p:pic>
+        <p:nvPicPr>
+          <p:cNvPr id="4" name="Picture 3"/>
+          <p:cNvPicPr>
+            <a:picLocks noChangeAspect="1"/>
+          </p:cNvPicPr>
+          <p:nvPr/>
+        </p:nvPicPr>
+        <p:blipFill>
+          <a:blip r:embed="rId2"/>
+          <a:stretch>
+            <a:fillRect/>
+          </a:stretch>
+        </p:blipFill>
+        <p:spPr>
+          <a:xfrm>
+            <a:off x="1097280" y="1986668"/>
+            <a:ext cx="5276850" cy="2162175"/>
+          </a:xfrm>
+          <a:prstGeom prst="rect">
+            <a:avLst/>
+          </a:prstGeom>
+        </p:spPr>
+      </p:pic>
+    </p:spTree>
+    <p:extLst>
+      <p:ext uri="{BB962C8B-B14F-4D97-AF65-F5344CB8AC3E}">
+        <p14:creationId xmlns:p14="http://schemas.microsoft.com/office/powerpoint/2010/main" val="2937566408"/>
+      </p:ext>
+    </p:extLst>
+  </p:cSld>
+  <p:clrMapOvr>
+    <a:masterClrMapping/>
+  </p:clrMapOvr>
+  <p:timing>
+    <p:tnLst>
+      <p:par>
+        <p:cTn id="1" dur="indefinite" restart="never" nodeType="tmRoot"/>
+      </p:par>
+    </p:tnLst>
+  </p:timing>
+</p:sld>
+</file>
+
+<file path=ppt/slides/slide31.xml><?xml version="1.0" encoding="utf-8"?>
+<p:sld xmlns:a="http://schemas.openxmlformats.org/drawingml/2006/main" xmlns:r="http://schemas.openxmlformats.org/officeDocument/2006/relationships" xmlns:p="http://schemas.openxmlformats.org/presentationml/2006/main">
+  <p:cSld>
+    <p:spTree>
+      <p:nvGrpSpPr>
+        <p:cNvPr id="1" name=""/>
+        <p:cNvGrpSpPr/>
+        <p:nvPr/>
+      </p:nvGrpSpPr>
+      <p:grpSpPr>
+        <a:xfrm>
+          <a:off x="0" y="0"/>
+          <a:ext cx="0" cy="0"/>
+          <a:chOff x="0" y="0"/>
+          <a:chExt cx="0" cy="0"/>
+        </a:xfrm>
+      </p:grpSpPr>
+      <p:sp>
+        <p:nvSpPr>
+          <p:cNvPr id="2" name="Title 1"/>
+          <p:cNvSpPr>
+            <a:spLocks noGrp="1"/>
+          </p:cNvSpPr>
+          <p:nvPr>
+            <p:ph type="title"/>
+          </p:nvPr>
+        </p:nvSpPr>
+        <p:spPr/>
+        <p:txBody>
+          <a:bodyPr/>
+          <a:lstStyle/>
+          <a:p>
+            <a:r>
+              <a:rPr lang="en-US" dirty="0" smtClean="0"/>
+              <a:t>Implement save</a:t>
+            </a:r>
+            <a:endParaRPr lang="en-GB" dirty="0"/>
+          </a:p>
+        </p:txBody>
+      </p:sp>
+      <p:pic>
+        <p:nvPicPr>
+          <p:cNvPr id="4" name="Picture 3"/>
+          <p:cNvPicPr>
+            <a:picLocks noChangeAspect="1"/>
+          </p:cNvPicPr>
+          <p:nvPr/>
+        </p:nvPicPr>
+        <p:blipFill>
+          <a:blip r:embed="rId2"/>
+          <a:stretch>
+            <a:fillRect/>
+          </a:stretch>
+        </p:blipFill>
+        <p:spPr>
+          <a:xfrm>
+            <a:off x="1097280" y="2018948"/>
+            <a:ext cx="5200650" cy="3181350"/>
+          </a:xfrm>
+          <a:prstGeom prst="rect">
+            <a:avLst/>
+          </a:prstGeom>
+        </p:spPr>
+      </p:pic>
+    </p:spTree>
+    <p:extLst>
+      <p:ext uri="{BB962C8B-B14F-4D97-AF65-F5344CB8AC3E}">
+        <p14:creationId xmlns:p14="http://schemas.microsoft.com/office/powerpoint/2010/main" val="139263286"/>
+      </p:ext>
+    </p:extLst>
+  </p:cSld>
+  <p:clrMapOvr>
+    <a:masterClrMapping/>
+  </p:clrMapOvr>
+  <p:timing>
+    <p:tnLst>
+      <p:par>
+        <p:cTn id="1" dur="indefinite" restart="never" nodeType="tmRoot"/>
+      </p:par>
+    </p:tnLst>
+  </p:timing>
+</p:sld>
+</file>
+
+<file path=ppt/slides/slide32.xml><?xml version="1.0" encoding="utf-8"?>
+<p:sld xmlns:a="http://schemas.openxmlformats.org/drawingml/2006/main" xmlns:r="http://schemas.openxmlformats.org/officeDocument/2006/relationships" xmlns:p="http://schemas.openxmlformats.org/presentationml/2006/main">
+  <p:cSld>
+    <p:spTree>
+      <p:nvGrpSpPr>
+        <p:cNvPr id="1" name=""/>
+        <p:cNvGrpSpPr/>
+        <p:nvPr/>
+      </p:nvGrpSpPr>
+      <p:grpSpPr>
+        <a:xfrm>
+          <a:off x="0" y="0"/>
+          <a:ext cx="0" cy="0"/>
+          <a:chOff x="0" y="0"/>
+          <a:chExt cx="0" cy="0"/>
+        </a:xfrm>
+      </p:grpSpPr>
+      <p:sp>
+        <p:nvSpPr>
+          <p:cNvPr id="2" name="Title 1"/>
+          <p:cNvSpPr>
+            <a:spLocks noGrp="1"/>
+          </p:cNvSpPr>
+          <p:nvPr>
+            <p:ph type="title"/>
+          </p:nvPr>
+        </p:nvSpPr>
+        <p:spPr/>
+        <p:txBody>
+          <a:bodyPr/>
+          <a:lstStyle/>
+          <a:p>
+            <a:r>
+              <a:rPr lang="en-US" dirty="0" smtClean="0"/>
+              <a:t>Implement delete</a:t>
+            </a:r>
+            <a:endParaRPr lang="en-GB" dirty="0"/>
+          </a:p>
+        </p:txBody>
+      </p:sp>
+      <p:pic>
+        <p:nvPicPr>
+          <p:cNvPr id="4" name="Picture 3"/>
+          <p:cNvPicPr>
+            <a:picLocks noChangeAspect="1"/>
+          </p:cNvPicPr>
+          <p:nvPr/>
+        </p:nvPicPr>
+        <p:blipFill>
+          <a:blip r:embed="rId2"/>
+          <a:stretch>
+            <a:fillRect/>
+          </a:stretch>
+        </p:blipFill>
+        <p:spPr>
+          <a:xfrm>
+            <a:off x="1196799" y="2060928"/>
+            <a:ext cx="5305425" cy="1562100"/>
+          </a:xfrm>
+          <a:prstGeom prst="rect">
+            <a:avLst/>
+          </a:prstGeom>
+        </p:spPr>
+      </p:pic>
+    </p:spTree>
+    <p:extLst>
+      <p:ext uri="{BB962C8B-B14F-4D97-AF65-F5344CB8AC3E}">
+        <p14:creationId xmlns:p14="http://schemas.microsoft.com/office/powerpoint/2010/main" val="4158037612"/>
+      </p:ext>
+    </p:extLst>
+  </p:cSld>
+  <p:clrMapOvr>
+    <a:masterClrMapping/>
+  </p:clrMapOvr>
+  <p:timing>
+    <p:tnLst>
+      <p:par>
+        <p:cTn id="1" dur="indefinite" restart="never" nodeType="tmRoot"/>
+      </p:par>
+    </p:tnLst>
+  </p:timing>
+</p:sld>
+</file>
+
+<file path=ppt/slides/slide33.xml><?xml version="1.0" encoding="utf-8"?>
+<p:sld xmlns:a="http://schemas.openxmlformats.org/drawingml/2006/main" xmlns:r="http://schemas.openxmlformats.org/officeDocument/2006/relationships" xmlns:p="http://schemas.openxmlformats.org/presentationml/2006/main">
+  <p:cSld>
+    <p:spTree>
+      <p:nvGrpSpPr>
+        <p:cNvPr id="1" name=""/>
+        <p:cNvGrpSpPr/>
+        <p:nvPr/>
+      </p:nvGrpSpPr>
+      <p:grpSpPr>
+        <a:xfrm>
+          <a:off x="0" y="0"/>
+          <a:ext cx="0" cy="0"/>
+          <a:chOff x="0" y="0"/>
+          <a:chExt cx="0" cy="0"/>
+        </a:xfrm>
+      </p:grpSpPr>
+      <p:sp>
+        <p:nvSpPr>
+          <p:cNvPr id="2" name="Title 1"/>
+          <p:cNvSpPr>
+            <a:spLocks noGrp="1"/>
+          </p:cNvSpPr>
+          <p:nvPr>
+            <p:ph type="title"/>
+          </p:nvPr>
+        </p:nvSpPr>
+        <p:spPr/>
+        <p:txBody>
+          <a:bodyPr/>
+          <a:lstStyle/>
+          <a:p>
+            <a:r>
+              <a:rPr lang="en-US" dirty="0" smtClean="0"/>
+              <a:t>DAO Bean</a:t>
+            </a:r>
+            <a:endParaRPr lang="en-GB" dirty="0"/>
+          </a:p>
+        </p:txBody>
+      </p:sp>
+      <p:pic>
+        <p:nvPicPr>
+          <p:cNvPr id="4" name="Picture 3"/>
+          <p:cNvPicPr>
+            <a:picLocks noChangeAspect="1"/>
+          </p:cNvPicPr>
+          <p:nvPr/>
+        </p:nvPicPr>
+        <p:blipFill>
+          <a:blip r:embed="rId2"/>
+          <a:stretch>
+            <a:fillRect/>
+          </a:stretch>
+        </p:blipFill>
+        <p:spPr>
+          <a:xfrm>
+            <a:off x="1198562" y="2051755"/>
+            <a:ext cx="5324475" cy="3048000"/>
+          </a:xfrm>
+          <a:prstGeom prst="rect">
+            <a:avLst/>
+          </a:prstGeom>
+        </p:spPr>
+      </p:pic>
+    </p:spTree>
+    <p:extLst>
+      <p:ext uri="{BB962C8B-B14F-4D97-AF65-F5344CB8AC3E}">
+        <p14:creationId xmlns:p14="http://schemas.microsoft.com/office/powerpoint/2010/main" val="2886438501"/>
+      </p:ext>
+    </p:extLst>
+  </p:cSld>
+  <p:clrMapOvr>
+    <a:masterClrMapping/>
+  </p:clrMapOvr>
+  <p:timing>
+    <p:tnLst>
+      <p:par>
+        <p:cTn id="1" dur="indefinite" restart="never" nodeType="tmRoot"/>
+      </p:par>
+    </p:tnLst>
+  </p:timing>
+</p:sld>
+</file>
+
+<file path=ppt/slides/slide34.xml><?xml version="1.0" encoding="utf-8"?>
+<p:sld xmlns:a="http://schemas.openxmlformats.org/drawingml/2006/main" xmlns:r="http://schemas.openxmlformats.org/officeDocument/2006/relationships" xmlns:p="http://schemas.openxmlformats.org/presentationml/2006/main">
+  <p:cSld>
+    <p:spTree>
+      <p:nvGrpSpPr>
+        <p:cNvPr id="1" name=""/>
+        <p:cNvGrpSpPr/>
+        <p:nvPr/>
+      </p:nvGrpSpPr>
+      <p:grpSpPr>
+        <a:xfrm>
+          <a:off x="0" y="0"/>
+          <a:ext cx="0" cy="0"/>
+          <a:chOff x="0" y="0"/>
+          <a:chExt cx="0" cy="0"/>
+        </a:xfrm>
+      </p:grpSpPr>
+      <p:sp>
+        <p:nvSpPr>
+          <p:cNvPr id="2" name="Title 1"/>
+          <p:cNvSpPr>
+            <a:spLocks noGrp="1"/>
+          </p:cNvSpPr>
+          <p:nvPr>
+            <p:ph type="title"/>
+          </p:nvPr>
+        </p:nvSpPr>
+        <p:spPr/>
+        <p:txBody>
+          <a:bodyPr/>
+          <a:lstStyle/>
+          <a:p>
+            <a:r>
+              <a:rPr lang="en-US" dirty="0" smtClean="0"/>
+              <a:t>Instantiate container</a:t>
+            </a:r>
+            <a:endParaRPr lang="en-GB" dirty="0"/>
+          </a:p>
+        </p:txBody>
+      </p:sp>
+      <p:pic>
+        <p:nvPicPr>
+          <p:cNvPr id="4" name="Picture 3"/>
+          <p:cNvPicPr>
+            <a:picLocks noChangeAspect="1"/>
+          </p:cNvPicPr>
+          <p:nvPr/>
+        </p:nvPicPr>
+        <p:blipFill>
+          <a:blip r:embed="rId2"/>
+          <a:stretch>
+            <a:fillRect/>
+          </a:stretch>
+        </p:blipFill>
+        <p:spPr>
+          <a:xfrm>
+            <a:off x="1257475" y="1896532"/>
+            <a:ext cx="5617458" cy="2783149"/>
+          </a:xfrm>
+          <a:prstGeom prst="rect">
+            <a:avLst/>
+          </a:prstGeom>
+        </p:spPr>
+      </p:pic>
+    </p:spTree>
+    <p:extLst>
+      <p:ext uri="{BB962C8B-B14F-4D97-AF65-F5344CB8AC3E}">
+        <p14:creationId xmlns:p14="http://schemas.microsoft.com/office/powerpoint/2010/main" val="4146894003"/>
+      </p:ext>
+    </p:extLst>
+  </p:cSld>
+  <p:clrMapOvr>
+    <a:masterClrMapping/>
+  </p:clrMapOvr>
+  <p:timing>
+    <p:tnLst>
+      <p:par>
+        <p:cTn id="1" dur="indefinite" restart="never" nodeType="tmRoot"/>
+      </p:par>
+    </p:tnLst>
+  </p:timing>
+</p:sld>
+</file>
+
+<file path=ppt/slides/slide35.xml><?xml version="1.0" encoding="utf-8"?>
+<p:sld xmlns:a="http://schemas.openxmlformats.org/drawingml/2006/main" xmlns:r="http://schemas.openxmlformats.org/officeDocument/2006/relationships" xmlns:p="http://schemas.openxmlformats.org/presentationml/2006/main">
+  <p:cSld>
+    <p:spTree>
+      <p:nvGrpSpPr>
+        <p:cNvPr id="1" name=""/>
+        <p:cNvGrpSpPr/>
+        <p:nvPr/>
+      </p:nvGrpSpPr>
+      <p:grpSpPr>
+        <a:xfrm>
+          <a:off x="0" y="0"/>
+          <a:ext cx="0" cy="0"/>
+          <a:chOff x="0" y="0"/>
+          <a:chExt cx="0" cy="0"/>
+        </a:xfrm>
+      </p:grpSpPr>
+      <p:sp>
+        <p:nvSpPr>
+          <p:cNvPr id="2" name="Title 1"/>
+          <p:cNvSpPr>
+            <a:spLocks noGrp="1"/>
+          </p:cNvSpPr>
+          <p:nvPr>
+            <p:ph type="title"/>
+          </p:nvPr>
+        </p:nvSpPr>
+        <p:spPr/>
+        <p:txBody>
+          <a:bodyPr/>
+          <a:lstStyle/>
+          <a:p>
+            <a:r>
+              <a:rPr lang="en-US" dirty="0" smtClean="0"/>
+              <a:t>Acquire beans</a:t>
+            </a:r>
+            <a:endParaRPr lang="en-GB" dirty="0"/>
+          </a:p>
+        </p:txBody>
+      </p:sp>
+      <p:pic>
+        <p:nvPicPr>
+          <p:cNvPr id="4" name="Picture 3"/>
+          <p:cNvPicPr>
+            <a:picLocks noChangeAspect="1"/>
+          </p:cNvPicPr>
+          <p:nvPr/>
+        </p:nvPicPr>
+        <p:blipFill>
+          <a:blip r:embed="rId2"/>
+          <a:stretch>
+            <a:fillRect/>
+          </a:stretch>
+        </p:blipFill>
+        <p:spPr>
+          <a:xfrm>
+            <a:off x="1196798" y="2006423"/>
+            <a:ext cx="5305425" cy="3228975"/>
+          </a:xfrm>
+          <a:prstGeom prst="rect">
+            <a:avLst/>
+          </a:prstGeom>
+        </p:spPr>
+      </p:pic>
+    </p:spTree>
+    <p:extLst>
+      <p:ext uri="{BB962C8B-B14F-4D97-AF65-F5344CB8AC3E}">
+        <p14:creationId xmlns:p14="http://schemas.microsoft.com/office/powerpoint/2010/main" val="810850914"/>
+      </p:ext>
+    </p:extLst>
+  </p:cSld>
+  <p:clrMapOvr>
+    <a:masterClrMapping/>
+  </p:clrMapOvr>
+  <p:timing>
+    <p:tnLst>
+      <p:par>
+        <p:cTn id="1" dur="indefinite" restart="never" nodeType="tmRoot"/>
+      </p:par>
+    </p:tnLst>
+  </p:timing>
+</p:sld>
+</file>
+
+<file path=ppt/slides/slide36.xml><?xml version="1.0" encoding="utf-8"?>
+<p:sld xmlns:a="http://schemas.openxmlformats.org/drawingml/2006/main" xmlns:r="http://schemas.openxmlformats.org/officeDocument/2006/relationships" xmlns:p="http://schemas.openxmlformats.org/presentationml/2006/main">
+  <p:cSld>
+    <p:spTree>
+      <p:nvGrpSpPr>
+        <p:cNvPr id="1" name=""/>
+        <p:cNvGrpSpPr/>
+        <p:nvPr/>
+      </p:nvGrpSpPr>
+      <p:grpSpPr>
+        <a:xfrm>
+          <a:off x="0" y="0"/>
+          <a:ext cx="0" cy="0"/>
+          <a:chOff x="0" y="0"/>
+          <a:chExt cx="0" cy="0"/>
+        </a:xfrm>
+      </p:grpSpPr>
+      <p:sp>
+        <p:nvSpPr>
+          <p:cNvPr id="2" name="Title 1"/>
+          <p:cNvSpPr>
+            <a:spLocks noGrp="1"/>
+          </p:cNvSpPr>
+          <p:nvPr>
+            <p:ph type="title"/>
+          </p:nvPr>
+        </p:nvSpPr>
+        <p:spPr/>
+        <p:txBody>
+          <a:bodyPr/>
+          <a:lstStyle/>
+          <a:p>
+            <a:r>
+              <a:rPr lang="en-US" dirty="0" smtClean="0"/>
+              <a:t>Setup customer object</a:t>
+            </a:r>
+            <a:endParaRPr lang="en-GB" dirty="0"/>
+          </a:p>
+        </p:txBody>
+      </p:sp>
+      <p:pic>
+        <p:nvPicPr>
+          <p:cNvPr id="4" name="Picture 3"/>
+          <p:cNvPicPr>
+            <a:picLocks noChangeAspect="1"/>
+          </p:cNvPicPr>
+          <p:nvPr/>
+        </p:nvPicPr>
+        <p:blipFill>
+          <a:blip r:embed="rId2"/>
+          <a:stretch>
+            <a:fillRect/>
+          </a:stretch>
+        </p:blipFill>
+        <p:spPr>
+          <a:xfrm>
+            <a:off x="1240189" y="1985080"/>
+            <a:ext cx="5722629" cy="2124075"/>
+          </a:xfrm>
+          <a:prstGeom prst="rect">
+            <a:avLst/>
+          </a:prstGeom>
+        </p:spPr>
+      </p:pic>
+    </p:spTree>
+    <p:extLst>
+      <p:ext uri="{BB962C8B-B14F-4D97-AF65-F5344CB8AC3E}">
+        <p14:creationId xmlns:p14="http://schemas.microsoft.com/office/powerpoint/2010/main" val="2619789551"/>
+      </p:ext>
+    </p:extLst>
+  </p:cSld>
+  <p:clrMapOvr>
+    <a:masterClrMapping/>
+  </p:clrMapOvr>
+  <p:timing>
+    <p:tnLst>
+      <p:par>
+        <p:cTn id="1" dur="indefinite" restart="never" nodeType="tmRoot"/>
+      </p:par>
+    </p:tnLst>
+  </p:timing>
+</p:sld>
+</file>
+
+<file path=ppt/slides/slide37.xml><?xml version="1.0" encoding="utf-8"?>
+<p:sld xmlns:a="http://schemas.openxmlformats.org/drawingml/2006/main" xmlns:r="http://schemas.openxmlformats.org/officeDocument/2006/relationships" xmlns:p="http://schemas.openxmlformats.org/presentationml/2006/main">
+  <p:cSld>
+    <p:spTree>
+      <p:nvGrpSpPr>
+        <p:cNvPr id="1" name=""/>
+        <p:cNvGrpSpPr/>
+        <p:nvPr/>
+      </p:nvGrpSpPr>
+      <p:grpSpPr>
+        <a:xfrm>
+          <a:off x="0" y="0"/>
+          <a:ext cx="0" cy="0"/>
+          <a:chOff x="0" y="0"/>
+          <a:chExt cx="0" cy="0"/>
+        </a:xfrm>
+      </p:grpSpPr>
+      <p:sp>
+        <p:nvSpPr>
+          <p:cNvPr id="2" name="Title 1"/>
+          <p:cNvSpPr>
+            <a:spLocks noGrp="1"/>
+          </p:cNvSpPr>
+          <p:nvPr>
+            <p:ph type="title"/>
+          </p:nvPr>
+        </p:nvSpPr>
+        <p:spPr/>
+        <p:txBody>
+          <a:bodyPr/>
+          <a:lstStyle/>
+          <a:p>
+            <a:r>
+              <a:rPr lang="en-US" dirty="0" smtClean="0"/>
+              <a:t>Save customer object</a:t>
+            </a:r>
+            <a:endParaRPr lang="en-GB" dirty="0"/>
+          </a:p>
+        </p:txBody>
+      </p:sp>
+      <p:pic>
+        <p:nvPicPr>
+          <p:cNvPr id="3" name="Picture 2"/>
+          <p:cNvPicPr>
+            <a:picLocks noChangeAspect="1"/>
+          </p:cNvPicPr>
+          <p:nvPr/>
+        </p:nvPicPr>
+        <p:blipFill>
+          <a:blip r:embed="rId2"/>
+          <a:stretch>
+            <a:fillRect/>
+          </a:stretch>
+        </p:blipFill>
+        <p:spPr>
+          <a:xfrm>
+            <a:off x="1266824" y="1991430"/>
+            <a:ext cx="6025798" cy="3768785"/>
+          </a:xfrm>
+          <a:prstGeom prst="rect">
+            <a:avLst/>
+          </a:prstGeom>
+        </p:spPr>
+      </p:pic>
+    </p:spTree>
+    <p:extLst>
+      <p:ext uri="{BB962C8B-B14F-4D97-AF65-F5344CB8AC3E}">
+        <p14:creationId xmlns:p14="http://schemas.microsoft.com/office/powerpoint/2010/main" val="664269936"/>
+      </p:ext>
+    </p:extLst>
+  </p:cSld>
+  <p:clrMapOvr>
+    <a:masterClrMapping/>
+  </p:clrMapOvr>
+  <p:timing>
+    <p:tnLst>
+      <p:par>
+        <p:cTn id="1" dur="indefinite" restart="never" nodeType="tmRoot"/>
+      </p:par>
+    </p:tnLst>
+  </p:timing>
+</p:sld>
+</file>
+
+<file path=ppt/slides/slide38.xml><?xml version="1.0" encoding="utf-8"?>
+<p:sld xmlns:a="http://schemas.openxmlformats.org/drawingml/2006/main" xmlns:r="http://schemas.openxmlformats.org/officeDocument/2006/relationships" xmlns:p="http://schemas.openxmlformats.org/presentationml/2006/main">
+  <p:cSld>
+    <p:spTree>
+      <p:nvGrpSpPr>
+        <p:cNvPr id="1" name=""/>
+        <p:cNvGrpSpPr/>
+        <p:nvPr/>
+      </p:nvGrpSpPr>
+      <p:grpSpPr>
+        <a:xfrm>
+          <a:off x="0" y="0"/>
+          <a:ext cx="0" cy="0"/>
+          <a:chOff x="0" y="0"/>
+          <a:chExt cx="0" cy="0"/>
+        </a:xfrm>
+      </p:grpSpPr>
+      <p:sp>
+        <p:nvSpPr>
+          <p:cNvPr id="2" name="Title 1"/>
+          <p:cNvSpPr>
+            <a:spLocks noGrp="1"/>
+          </p:cNvSpPr>
+          <p:nvPr>
+            <p:ph type="title"/>
+          </p:nvPr>
+        </p:nvSpPr>
+        <p:spPr/>
+        <p:txBody>
+          <a:bodyPr/>
+          <a:lstStyle/>
+          <a:p>
+            <a:r>
+              <a:rPr lang="en-US" dirty="0" smtClean="0"/>
+              <a:t>Update customer object</a:t>
+            </a:r>
+            <a:endParaRPr lang="en-GB" dirty="0"/>
+          </a:p>
+        </p:txBody>
+      </p:sp>
+      <p:pic>
+        <p:nvPicPr>
+          <p:cNvPr id="3" name="Picture 2"/>
+          <p:cNvPicPr>
+            <a:picLocks noChangeAspect="1"/>
+          </p:cNvPicPr>
+          <p:nvPr/>
+        </p:nvPicPr>
+        <p:blipFill>
+          <a:blip r:embed="rId2"/>
+          <a:stretch>
+            <a:fillRect/>
+          </a:stretch>
+        </p:blipFill>
+        <p:spPr>
+          <a:xfrm>
+            <a:off x="1271058" y="1969735"/>
+            <a:ext cx="6269919" cy="3901059"/>
+          </a:xfrm>
+          <a:prstGeom prst="rect">
+            <a:avLst/>
+          </a:prstGeom>
+        </p:spPr>
+      </p:pic>
+    </p:spTree>
+    <p:extLst>
+      <p:ext uri="{BB962C8B-B14F-4D97-AF65-F5344CB8AC3E}">
+        <p14:creationId xmlns:p14="http://schemas.microsoft.com/office/powerpoint/2010/main" val="1253998703"/>
+      </p:ext>
+    </p:extLst>
+  </p:cSld>
+  <p:clrMapOvr>
+    <a:masterClrMapping/>
+  </p:clrMapOvr>
+  <p:timing>
+    <p:tnLst>
+      <p:par>
+        <p:cTn id="1" dur="indefinite" restart="never" nodeType="tmRoot"/>
+      </p:par>
+    </p:tnLst>
+  </p:timing>
+</p:sld>
+</file>
+
+<file path=ppt/slides/slide39.xml><?xml version="1.0" encoding="utf-8"?>
+<p:sld xmlns:a="http://schemas.openxmlformats.org/drawingml/2006/main" xmlns:r="http://schemas.openxmlformats.org/officeDocument/2006/relationships" xmlns:p="http://schemas.openxmlformats.org/presentationml/2006/main">
+  <p:cSld>
+    <p:spTree>
+      <p:nvGrpSpPr>
+        <p:cNvPr id="1" name=""/>
+        <p:cNvGrpSpPr/>
+        <p:nvPr/>
+      </p:nvGrpSpPr>
+      <p:grpSpPr>
+        <a:xfrm>
+          <a:off x="0" y="0"/>
+          <a:ext cx="0" cy="0"/>
+          <a:chOff x="0" y="0"/>
+          <a:chExt cx="0" cy="0"/>
+        </a:xfrm>
+      </p:grpSpPr>
+      <p:sp>
+        <p:nvSpPr>
+          <p:cNvPr id="2" name="Title 1"/>
+          <p:cNvSpPr>
+            <a:spLocks noGrp="1"/>
+          </p:cNvSpPr>
+          <p:nvPr>
+            <p:ph type="title"/>
+          </p:nvPr>
+        </p:nvSpPr>
+        <p:spPr/>
+        <p:txBody>
+          <a:bodyPr/>
+          <a:lstStyle/>
+          <a:p>
+            <a:r>
+              <a:rPr lang="en-US" dirty="0" smtClean="0"/>
+              <a:t>Delete customer object</a:t>
+            </a:r>
+            <a:endParaRPr lang="en-GB" dirty="0"/>
+          </a:p>
+        </p:txBody>
+      </p:sp>
+      <p:pic>
+        <p:nvPicPr>
+          <p:cNvPr id="4" name="Picture 3"/>
+          <p:cNvPicPr>
+            <a:picLocks noChangeAspect="1"/>
+          </p:cNvPicPr>
+          <p:nvPr/>
+        </p:nvPicPr>
+        <p:blipFill>
+          <a:blip r:embed="rId2"/>
+          <a:stretch>
+            <a:fillRect/>
+          </a:stretch>
+        </p:blipFill>
+        <p:spPr>
+          <a:xfrm>
+            <a:off x="1274585" y="1904999"/>
+            <a:ext cx="5668081" cy="3227377"/>
+          </a:xfrm>
+          <a:prstGeom prst="rect">
+            <a:avLst/>
+          </a:prstGeom>
+        </p:spPr>
+      </p:pic>
+      <p:pic>
+        <p:nvPicPr>
+          <p:cNvPr id="5" name="Picture 4"/>
+          <p:cNvPicPr>
+            <a:picLocks noChangeAspect="1"/>
+          </p:cNvPicPr>
+          <p:nvPr/>
+        </p:nvPicPr>
+        <p:blipFill>
+          <a:blip r:embed="rId3"/>
+          <a:stretch>
+            <a:fillRect/>
+          </a:stretch>
+        </p:blipFill>
+        <p:spPr>
+          <a:xfrm>
+            <a:off x="1421341" y="5132376"/>
+            <a:ext cx="5238750" cy="352425"/>
+          </a:xfrm>
+          <a:prstGeom prst="rect">
+            <a:avLst/>
+          </a:prstGeom>
+        </p:spPr>
+      </p:pic>
+    </p:spTree>
+    <p:extLst>
+      <p:ext uri="{BB962C8B-B14F-4D97-AF65-F5344CB8AC3E}">
+        <p14:creationId xmlns:p14="http://schemas.microsoft.com/office/powerpoint/2010/main" val="37307351"/>
       </p:ext>
     </p:extLst>
   </p:cSld>
@@ -5799,6 +6702,390 @@
     <p:extLst>
       <p:ext uri="{BB962C8B-B14F-4D97-AF65-F5344CB8AC3E}">
         <p14:creationId xmlns:p14="http://schemas.microsoft.com/office/powerpoint/2010/main" val="224414417"/>
+      </p:ext>
+    </p:extLst>
+  </p:cSld>
+  <p:clrMapOvr>
+    <a:masterClrMapping/>
+  </p:clrMapOvr>
+  <p:timing>
+    <p:tnLst>
+      <p:par>
+        <p:cTn id="1" dur="indefinite" restart="never" nodeType="tmRoot"/>
+      </p:par>
+    </p:tnLst>
+  </p:timing>
+</p:sld>
+</file>
+
+<file path=ppt/slides/slide40.xml><?xml version="1.0" encoding="utf-8"?>
+<p:sld xmlns:a="http://schemas.openxmlformats.org/drawingml/2006/main" xmlns:r="http://schemas.openxmlformats.org/officeDocument/2006/relationships" xmlns:p="http://schemas.openxmlformats.org/presentationml/2006/main">
+  <p:cSld>
+    <p:spTree>
+      <p:nvGrpSpPr>
+        <p:cNvPr id="1" name=""/>
+        <p:cNvGrpSpPr/>
+        <p:nvPr/>
+      </p:nvGrpSpPr>
+      <p:grpSpPr>
+        <a:xfrm>
+          <a:off x="0" y="0"/>
+          <a:ext cx="0" cy="0"/>
+          <a:chOff x="0" y="0"/>
+          <a:chExt cx="0" cy="0"/>
+        </a:xfrm>
+      </p:grpSpPr>
+      <p:sp>
+        <p:nvSpPr>
+          <p:cNvPr id="2" name="Title 1"/>
+          <p:cNvSpPr>
+            <a:spLocks noGrp="1"/>
+          </p:cNvSpPr>
+          <p:nvPr>
+            <p:ph type="title"/>
+          </p:nvPr>
+        </p:nvSpPr>
+        <p:spPr/>
+        <p:txBody>
+          <a:bodyPr/>
+          <a:lstStyle/>
+          <a:p>
+            <a:r>
+              <a:rPr lang="en-US" dirty="0" smtClean="0"/>
+              <a:t>Update customer object</a:t>
+            </a:r>
+            <a:endParaRPr lang="en-GB" dirty="0"/>
+          </a:p>
+        </p:txBody>
+      </p:sp>
+      <p:pic>
+        <p:nvPicPr>
+          <p:cNvPr id="4" name="Picture 3"/>
+          <p:cNvPicPr>
+            <a:picLocks noChangeAspect="1"/>
+          </p:cNvPicPr>
+          <p:nvPr/>
+        </p:nvPicPr>
+        <p:blipFill>
+          <a:blip r:embed="rId2"/>
+          <a:stretch>
+            <a:fillRect/>
+          </a:stretch>
+        </p:blipFill>
+        <p:spPr>
+          <a:xfrm>
+            <a:off x="1200326" y="1891946"/>
+            <a:ext cx="5922963" cy="3357401"/>
+          </a:xfrm>
+          <a:prstGeom prst="rect">
+            <a:avLst/>
+          </a:prstGeom>
+        </p:spPr>
+      </p:pic>
+      <p:pic>
+        <p:nvPicPr>
+          <p:cNvPr id="5" name="Picture 4"/>
+          <p:cNvPicPr>
+            <a:picLocks noChangeAspect="1"/>
+          </p:cNvPicPr>
+          <p:nvPr/>
+        </p:nvPicPr>
+        <p:blipFill>
+          <a:blip r:embed="rId3"/>
+          <a:stretch>
+            <a:fillRect/>
+          </a:stretch>
+        </p:blipFill>
+        <p:spPr>
+          <a:xfrm>
+            <a:off x="1398939" y="5249347"/>
+            <a:ext cx="5172075" cy="342900"/>
+          </a:xfrm>
+          <a:prstGeom prst="rect">
+            <a:avLst/>
+          </a:prstGeom>
+        </p:spPr>
+      </p:pic>
+    </p:spTree>
+    <p:extLst>
+      <p:ext uri="{BB962C8B-B14F-4D97-AF65-F5344CB8AC3E}">
+        <p14:creationId xmlns:p14="http://schemas.microsoft.com/office/powerpoint/2010/main" val="4235930768"/>
+      </p:ext>
+    </p:extLst>
+  </p:cSld>
+  <p:clrMapOvr>
+    <a:masterClrMapping/>
+  </p:clrMapOvr>
+  <p:timing>
+    <p:tnLst>
+      <p:par>
+        <p:cTn id="1" dur="indefinite" restart="never" nodeType="tmRoot"/>
+      </p:par>
+    </p:tnLst>
+  </p:timing>
+</p:sld>
+</file>
+
+<file path=ppt/slides/slide41.xml><?xml version="1.0" encoding="utf-8"?>
+<p:sld xmlns:a="http://schemas.openxmlformats.org/drawingml/2006/main" xmlns:r="http://schemas.openxmlformats.org/officeDocument/2006/relationships" xmlns:p="http://schemas.openxmlformats.org/presentationml/2006/main">
+  <p:cSld>
+    <p:spTree>
+      <p:nvGrpSpPr>
+        <p:cNvPr id="1" name=""/>
+        <p:cNvGrpSpPr/>
+        <p:nvPr/>
+      </p:nvGrpSpPr>
+      <p:grpSpPr>
+        <a:xfrm>
+          <a:off x="0" y="0"/>
+          <a:ext cx="0" cy="0"/>
+          <a:chOff x="0" y="0"/>
+          <a:chExt cx="0" cy="0"/>
+        </a:xfrm>
+      </p:grpSpPr>
+      <p:sp>
+        <p:nvSpPr>
+          <p:cNvPr id="2" name="Title 1"/>
+          <p:cNvSpPr>
+            <a:spLocks noGrp="1"/>
+          </p:cNvSpPr>
+          <p:nvPr>
+            <p:ph type="title"/>
+          </p:nvPr>
+        </p:nvSpPr>
+        <p:spPr/>
+        <p:txBody>
+          <a:bodyPr/>
+          <a:lstStyle/>
+          <a:p>
+            <a:r>
+              <a:rPr lang="en-US" dirty="0" smtClean="0"/>
+              <a:t>Delete customer object</a:t>
+            </a:r>
+            <a:endParaRPr lang="en-GB" dirty="0"/>
+          </a:p>
+        </p:txBody>
+      </p:sp>
+      <p:pic>
+        <p:nvPicPr>
+          <p:cNvPr id="4" name="Picture 3"/>
+          <p:cNvPicPr>
+            <a:picLocks noChangeAspect="1"/>
+          </p:cNvPicPr>
+          <p:nvPr/>
+        </p:nvPicPr>
+        <p:blipFill>
+          <a:blip r:embed="rId2"/>
+          <a:stretch>
+            <a:fillRect/>
+          </a:stretch>
+        </p:blipFill>
+        <p:spPr>
+          <a:xfrm>
+            <a:off x="1221669" y="1887184"/>
+            <a:ext cx="5879042" cy="3313453"/>
+          </a:xfrm>
+          <a:prstGeom prst="rect">
+            <a:avLst/>
+          </a:prstGeom>
+        </p:spPr>
+      </p:pic>
+      <p:pic>
+        <p:nvPicPr>
+          <p:cNvPr id="5" name="Picture 4"/>
+          <p:cNvPicPr>
+            <a:picLocks noChangeAspect="1"/>
+          </p:cNvPicPr>
+          <p:nvPr/>
+        </p:nvPicPr>
+        <p:blipFill>
+          <a:blip r:embed="rId3"/>
+          <a:stretch>
+            <a:fillRect/>
+          </a:stretch>
+        </p:blipFill>
+        <p:spPr>
+          <a:xfrm>
+            <a:off x="1434570" y="5200637"/>
+            <a:ext cx="5191125" cy="342900"/>
+          </a:xfrm>
+          <a:prstGeom prst="rect">
+            <a:avLst/>
+          </a:prstGeom>
+        </p:spPr>
+      </p:pic>
+    </p:spTree>
+    <p:extLst>
+      <p:ext uri="{BB962C8B-B14F-4D97-AF65-F5344CB8AC3E}">
+        <p14:creationId xmlns:p14="http://schemas.microsoft.com/office/powerpoint/2010/main" val="2539931324"/>
+      </p:ext>
+    </p:extLst>
+  </p:cSld>
+  <p:clrMapOvr>
+    <a:masterClrMapping/>
+  </p:clrMapOvr>
+  <p:timing>
+    <p:tnLst>
+      <p:par>
+        <p:cTn id="1" dur="indefinite" restart="never" nodeType="tmRoot"/>
+      </p:par>
+    </p:tnLst>
+  </p:timing>
+</p:sld>
+</file>
+
+<file path=ppt/slides/slide42.xml><?xml version="1.0" encoding="utf-8"?>
+<p:sld xmlns:a="http://schemas.openxmlformats.org/drawingml/2006/main" xmlns:r="http://schemas.openxmlformats.org/officeDocument/2006/relationships" xmlns:p="http://schemas.openxmlformats.org/presentationml/2006/main">
+  <p:cSld>
+    <p:spTree>
+      <p:nvGrpSpPr>
+        <p:cNvPr id="1" name=""/>
+        <p:cNvGrpSpPr/>
+        <p:nvPr/>
+      </p:nvGrpSpPr>
+      <p:grpSpPr>
+        <a:xfrm>
+          <a:off x="0" y="0"/>
+          <a:ext cx="0" cy="0"/>
+          <a:chOff x="0" y="0"/>
+          <a:chExt cx="0" cy="0"/>
+        </a:xfrm>
+      </p:grpSpPr>
+      <p:sp>
+        <p:nvSpPr>
+          <p:cNvPr id="2" name="Title 1"/>
+          <p:cNvSpPr>
+            <a:spLocks noGrp="1"/>
+          </p:cNvSpPr>
+          <p:nvPr>
+            <p:ph type="title"/>
+          </p:nvPr>
+        </p:nvSpPr>
+        <p:spPr/>
+        <p:txBody>
+          <a:bodyPr/>
+          <a:lstStyle/>
+          <a:p>
+            <a:r>
+              <a:rPr lang="en-US" dirty="0" smtClean="0"/>
+              <a:t>Summary </a:t>
+            </a:r>
+            <a:endParaRPr lang="en-GB" dirty="0"/>
+          </a:p>
+        </p:txBody>
+      </p:sp>
+      <p:pic>
+        <p:nvPicPr>
+          <p:cNvPr id="4" name="Picture 3"/>
+          <p:cNvPicPr>
+            <a:picLocks noChangeAspect="1"/>
+          </p:cNvPicPr>
+          <p:nvPr/>
+        </p:nvPicPr>
+        <p:blipFill>
+          <a:blip r:embed="rId2"/>
+          <a:stretch>
+            <a:fillRect/>
+          </a:stretch>
+        </p:blipFill>
+        <p:spPr>
+          <a:xfrm>
+            <a:off x="1200996" y="1868487"/>
+            <a:ext cx="5916689" cy="3809824"/>
+          </a:xfrm>
+          <a:prstGeom prst="rect">
+            <a:avLst/>
+          </a:prstGeom>
+        </p:spPr>
+      </p:pic>
+    </p:spTree>
+    <p:extLst>
+      <p:ext uri="{BB962C8B-B14F-4D97-AF65-F5344CB8AC3E}">
+        <p14:creationId xmlns:p14="http://schemas.microsoft.com/office/powerpoint/2010/main" val="1158744891"/>
+      </p:ext>
+    </p:extLst>
+  </p:cSld>
+  <p:clrMapOvr>
+    <a:masterClrMapping/>
+  </p:clrMapOvr>
+  <p:timing>
+    <p:tnLst>
+      <p:par>
+        <p:cTn id="1" dur="indefinite" restart="never" nodeType="tmRoot"/>
+      </p:par>
+    </p:tnLst>
+  </p:timing>
+</p:sld>
+</file>
+
+<file path=ppt/slides/slide43.xml><?xml version="1.0" encoding="utf-8"?>
+<p:sld xmlns:a="http://schemas.openxmlformats.org/drawingml/2006/main" xmlns:r="http://schemas.openxmlformats.org/officeDocument/2006/relationships" xmlns:p="http://schemas.openxmlformats.org/presentationml/2006/main">
+  <p:cSld>
+    <p:spTree>
+      <p:nvGrpSpPr>
+        <p:cNvPr id="1" name=""/>
+        <p:cNvGrpSpPr/>
+        <p:nvPr/>
+      </p:nvGrpSpPr>
+      <p:grpSpPr>
+        <a:xfrm>
+          <a:off x="0" y="0"/>
+          <a:ext cx="0" cy="0"/>
+          <a:chOff x="0" y="0"/>
+          <a:chExt cx="0" cy="0"/>
+        </a:xfrm>
+      </p:grpSpPr>
+      <p:sp>
+        <p:nvSpPr>
+          <p:cNvPr id="2" name="Title 1"/>
+          <p:cNvSpPr>
+            <a:spLocks noGrp="1"/>
+          </p:cNvSpPr>
+          <p:nvPr>
+            <p:ph type="title"/>
+          </p:nvPr>
+        </p:nvSpPr>
+        <p:spPr/>
+        <p:txBody>
+          <a:bodyPr/>
+          <a:lstStyle/>
+          <a:p>
+            <a:r>
+              <a:rPr lang="en-US" dirty="0" smtClean="0"/>
+              <a:t>Summary </a:t>
+            </a:r>
+            <a:endParaRPr lang="en-GB" dirty="0"/>
+          </a:p>
+        </p:txBody>
+      </p:sp>
+      <p:pic>
+        <p:nvPicPr>
+          <p:cNvPr id="4" name="Picture 3"/>
+          <p:cNvPicPr>
+            <a:picLocks noChangeAspect="1"/>
+          </p:cNvPicPr>
+          <p:nvPr/>
+        </p:nvPicPr>
+        <p:blipFill>
+          <a:blip r:embed="rId2"/>
+          <a:stretch>
+            <a:fillRect/>
+          </a:stretch>
+        </p:blipFill>
+        <p:spPr>
+          <a:xfrm>
+            <a:off x="1198209" y="1961973"/>
+            <a:ext cx="5353105" cy="2271360"/>
+          </a:xfrm>
+          <a:prstGeom prst="rect">
+            <a:avLst/>
+          </a:prstGeom>
+        </p:spPr>
+      </p:pic>
+    </p:spTree>
+    <p:extLst>
+      <p:ext uri="{BB962C8B-B14F-4D97-AF65-F5344CB8AC3E}">
+        <p14:creationId xmlns:p14="http://schemas.microsoft.com/office/powerpoint/2010/main" val="2911356240"/>
       </p:ext>
     </p:extLst>
   </p:cSld>

--- a/course/spring_lecture6.pptx
+++ b/course/spring_lecture6.pptx
@@ -380,7 +380,7 @@
           <a:p>
             <a:fld id="{46D9A6F5-1E9F-4F7F-B335-C9B2093BF1AB}" type="datetimeFigureOut">
               <a:rPr lang="en-GB" smtClean="0"/>
-              <a:t>26/07/2016</a:t>
+              <a:t>27/07/2016</a:t>
             </a:fld>
             <a:endParaRPr lang="en-GB"/>
           </a:p>
@@ -588,7 +588,7 @@
           <a:p>
             <a:fld id="{46D9A6F5-1E9F-4F7F-B335-C9B2093BF1AB}" type="datetimeFigureOut">
               <a:rPr lang="en-GB" smtClean="0"/>
-              <a:t>26/07/2016</a:t>
+              <a:t>27/07/2016</a:t>
             </a:fld>
             <a:endParaRPr lang="en-GB"/>
           </a:p>
@@ -844,7 +844,7 @@
           <a:p>
             <a:fld id="{46D9A6F5-1E9F-4F7F-B335-C9B2093BF1AB}" type="datetimeFigureOut">
               <a:rPr lang="en-GB" smtClean="0"/>
-              <a:t>26/07/2016</a:t>
+              <a:t>27/07/2016</a:t>
             </a:fld>
             <a:endParaRPr lang="en-GB"/>
           </a:p>
@@ -1018,7 +1018,7 @@
           <a:p>
             <a:fld id="{46D9A6F5-1E9F-4F7F-B335-C9B2093BF1AB}" type="datetimeFigureOut">
               <a:rPr lang="en-GB" smtClean="0"/>
-              <a:t>26/07/2016</a:t>
+              <a:t>27/07/2016</a:t>
             </a:fld>
             <a:endParaRPr lang="en-GB"/>
           </a:p>
@@ -1361,7 +1361,7 @@
           <a:p>
             <a:fld id="{46D9A6F5-1E9F-4F7F-B335-C9B2093BF1AB}" type="datetimeFigureOut">
               <a:rPr lang="en-GB" smtClean="0"/>
-              <a:t>26/07/2016</a:t>
+              <a:t>27/07/2016</a:t>
             </a:fld>
             <a:endParaRPr lang="en-GB"/>
           </a:p>
@@ -1636,7 +1636,7 @@
           <a:p>
             <a:fld id="{46D9A6F5-1E9F-4F7F-B335-C9B2093BF1AB}" type="datetimeFigureOut">
               <a:rPr lang="en-GB" smtClean="0"/>
-              <a:t>26/07/2016</a:t>
+              <a:t>27/07/2016</a:t>
             </a:fld>
             <a:endParaRPr lang="en-GB"/>
           </a:p>
@@ -2015,7 +2015,7 @@
           <a:p>
             <a:fld id="{46D9A6F5-1E9F-4F7F-B335-C9B2093BF1AB}" type="datetimeFigureOut">
               <a:rPr lang="en-GB" smtClean="0"/>
-              <a:t>26/07/2016</a:t>
+              <a:t>27/07/2016</a:t>
             </a:fld>
             <a:endParaRPr lang="en-GB"/>
           </a:p>
@@ -2133,7 +2133,7 @@
           <a:p>
             <a:fld id="{46D9A6F5-1E9F-4F7F-B335-C9B2093BF1AB}" type="datetimeFigureOut">
               <a:rPr lang="en-GB" smtClean="0"/>
-              <a:t>26/07/2016</a:t>
+              <a:t>27/07/2016</a:t>
             </a:fld>
             <a:endParaRPr lang="en-GB"/>
           </a:p>
@@ -2304,7 +2304,7 @@
           <a:p>
             <a:fld id="{46D9A6F5-1E9F-4F7F-B335-C9B2093BF1AB}" type="datetimeFigureOut">
               <a:rPr lang="en-GB" smtClean="0"/>
-              <a:t>26/07/2016</a:t>
+              <a:t>27/07/2016</a:t>
             </a:fld>
             <a:endParaRPr lang="en-GB"/>
           </a:p>
@@ -2658,7 +2658,7 @@
           <a:p>
             <a:fld id="{46D9A6F5-1E9F-4F7F-B335-C9B2093BF1AB}" type="datetimeFigureOut">
               <a:rPr lang="en-GB" smtClean="0"/>
-              <a:t>26/07/2016</a:t>
+              <a:t>27/07/2016</a:t>
             </a:fld>
             <a:endParaRPr lang="en-GB"/>
           </a:p>
@@ -3040,7 +3040,7 @@
           <a:p>
             <a:fld id="{46D9A6F5-1E9F-4F7F-B335-C9B2093BF1AB}" type="datetimeFigureOut">
               <a:rPr lang="en-GB" smtClean="0"/>
-              <a:t>26/07/2016</a:t>
+              <a:t>27/07/2016</a:t>
             </a:fld>
             <a:endParaRPr lang="en-GB"/>
           </a:p>
@@ -3327,7 +3327,7 @@
           <a:p>
             <a:fld id="{46D9A6F5-1E9F-4F7F-B335-C9B2093BF1AB}" type="datetimeFigureOut">
               <a:rPr lang="en-GB" smtClean="0"/>
-              <a:t>26/07/2016</a:t>
+              <a:t>27/07/2016</a:t>
             </a:fld>
             <a:endParaRPr lang="en-GB"/>
           </a:p>
@@ -3893,7 +3893,7 @@
         </p:nvSpPr>
         <p:spPr>
           <a:xfrm>
-            <a:off x="4122259" y="4337783"/>
+            <a:off x="4133548" y="4281339"/>
             <a:ext cx="3976410" cy="369332"/>
           </a:xfrm>
           <a:prstGeom prst="rect">
@@ -4481,7 +4481,7 @@
         <p:spPr>
           <a:xfrm>
             <a:off x="1178278" y="1861256"/>
-            <a:ext cx="6019800" cy="4038600"/>
+            <a:ext cx="5807360" cy="3896077"/>
           </a:xfrm>
           <a:prstGeom prst="rect">
             <a:avLst/>
@@ -6690,8 +6690,8 @@
         </p:blipFill>
         <p:spPr>
           <a:xfrm>
-            <a:off x="1154430" y="1875190"/>
-            <a:ext cx="5551170" cy="3519995"/>
+            <a:off x="1154430" y="1875191"/>
+            <a:ext cx="5167348" cy="3276614"/>
           </a:xfrm>
           <a:prstGeom prst="rect">
             <a:avLst/>
@@ -7158,8 +7158,8 @@
         </p:blipFill>
         <p:spPr>
           <a:xfrm>
-            <a:off x="1188156" y="1925637"/>
-            <a:ext cx="5675488" cy="3622423"/>
+            <a:off x="1176865" y="1824035"/>
+            <a:ext cx="6691490" cy="4270894"/>
           </a:xfrm>
           <a:prstGeom prst="rect">
             <a:avLst/>

--- a/course/spring_lecture6.pptx
+++ b/course/spring_lecture6.pptx
@@ -19,35 +19,42 @@
     <p:sldId id="286" r:id="rId13"/>
     <p:sldId id="287" r:id="rId14"/>
     <p:sldId id="288" r:id="rId15"/>
-    <p:sldId id="289" r:id="rId16"/>
-    <p:sldId id="293" r:id="rId17"/>
-    <p:sldId id="294" r:id="rId18"/>
-    <p:sldId id="295" r:id="rId19"/>
-    <p:sldId id="305" r:id="rId20"/>
-    <p:sldId id="306" r:id="rId21"/>
-    <p:sldId id="307" r:id="rId22"/>
-    <p:sldId id="308" r:id="rId23"/>
-    <p:sldId id="290" r:id="rId24"/>
-    <p:sldId id="291" r:id="rId25"/>
-    <p:sldId id="292" r:id="rId26"/>
-    <p:sldId id="277" r:id="rId27"/>
-    <p:sldId id="278" r:id="rId28"/>
-    <p:sldId id="279" r:id="rId29"/>
-    <p:sldId id="280" r:id="rId30"/>
-    <p:sldId id="281" r:id="rId31"/>
-    <p:sldId id="282" r:id="rId32"/>
-    <p:sldId id="283" r:id="rId33"/>
-    <p:sldId id="284" r:id="rId34"/>
-    <p:sldId id="285" r:id="rId35"/>
-    <p:sldId id="267" r:id="rId36"/>
-    <p:sldId id="268" r:id="rId37"/>
-    <p:sldId id="269" r:id="rId38"/>
-    <p:sldId id="270" r:id="rId39"/>
-    <p:sldId id="272" r:id="rId40"/>
-    <p:sldId id="273" r:id="rId41"/>
-    <p:sldId id="274" r:id="rId42"/>
-    <p:sldId id="275" r:id="rId43"/>
-    <p:sldId id="276" r:id="rId44"/>
+    <p:sldId id="309" r:id="rId16"/>
+    <p:sldId id="310" r:id="rId17"/>
+    <p:sldId id="311" r:id="rId18"/>
+    <p:sldId id="312" r:id="rId19"/>
+    <p:sldId id="313" r:id="rId20"/>
+    <p:sldId id="314" r:id="rId21"/>
+    <p:sldId id="315" r:id="rId22"/>
+    <p:sldId id="289" r:id="rId23"/>
+    <p:sldId id="293" r:id="rId24"/>
+    <p:sldId id="294" r:id="rId25"/>
+    <p:sldId id="295" r:id="rId26"/>
+    <p:sldId id="305" r:id="rId27"/>
+    <p:sldId id="306" r:id="rId28"/>
+    <p:sldId id="307" r:id="rId29"/>
+    <p:sldId id="308" r:id="rId30"/>
+    <p:sldId id="290" r:id="rId31"/>
+    <p:sldId id="291" r:id="rId32"/>
+    <p:sldId id="292" r:id="rId33"/>
+    <p:sldId id="277" r:id="rId34"/>
+    <p:sldId id="278" r:id="rId35"/>
+    <p:sldId id="279" r:id="rId36"/>
+    <p:sldId id="280" r:id="rId37"/>
+    <p:sldId id="281" r:id="rId38"/>
+    <p:sldId id="282" r:id="rId39"/>
+    <p:sldId id="283" r:id="rId40"/>
+    <p:sldId id="284" r:id="rId41"/>
+    <p:sldId id="285" r:id="rId42"/>
+    <p:sldId id="267" r:id="rId43"/>
+    <p:sldId id="268" r:id="rId44"/>
+    <p:sldId id="269" r:id="rId45"/>
+    <p:sldId id="270" r:id="rId46"/>
+    <p:sldId id="272" r:id="rId47"/>
+    <p:sldId id="273" r:id="rId48"/>
+    <p:sldId id="274" r:id="rId49"/>
+    <p:sldId id="275" r:id="rId50"/>
+    <p:sldId id="276" r:id="rId51"/>
   </p:sldIdLst>
   <p:sldSz cx="12192000" cy="6858000"/>
   <p:notesSz cx="6858000" cy="9144000"/>
@@ -380,7 +387,7 @@
           <a:p>
             <a:fld id="{46D9A6F5-1E9F-4F7F-B335-C9B2093BF1AB}" type="datetimeFigureOut">
               <a:rPr lang="en-GB" smtClean="0"/>
-              <a:t>27/07/2016</a:t>
+              <a:t>28/07/2016</a:t>
             </a:fld>
             <a:endParaRPr lang="en-GB"/>
           </a:p>
@@ -588,7 +595,7 @@
           <a:p>
             <a:fld id="{46D9A6F5-1E9F-4F7F-B335-C9B2093BF1AB}" type="datetimeFigureOut">
               <a:rPr lang="en-GB" smtClean="0"/>
-              <a:t>27/07/2016</a:t>
+              <a:t>28/07/2016</a:t>
             </a:fld>
             <a:endParaRPr lang="en-GB"/>
           </a:p>
@@ -844,7 +851,7 @@
           <a:p>
             <a:fld id="{46D9A6F5-1E9F-4F7F-B335-C9B2093BF1AB}" type="datetimeFigureOut">
               <a:rPr lang="en-GB" smtClean="0"/>
-              <a:t>27/07/2016</a:t>
+              <a:t>28/07/2016</a:t>
             </a:fld>
             <a:endParaRPr lang="en-GB"/>
           </a:p>
@@ -1018,7 +1025,7 @@
           <a:p>
             <a:fld id="{46D9A6F5-1E9F-4F7F-B335-C9B2093BF1AB}" type="datetimeFigureOut">
               <a:rPr lang="en-GB" smtClean="0"/>
-              <a:t>27/07/2016</a:t>
+              <a:t>28/07/2016</a:t>
             </a:fld>
             <a:endParaRPr lang="en-GB"/>
           </a:p>
@@ -1361,7 +1368,7 @@
           <a:p>
             <a:fld id="{46D9A6F5-1E9F-4F7F-B335-C9B2093BF1AB}" type="datetimeFigureOut">
               <a:rPr lang="en-GB" smtClean="0"/>
-              <a:t>27/07/2016</a:t>
+              <a:t>28/07/2016</a:t>
             </a:fld>
             <a:endParaRPr lang="en-GB"/>
           </a:p>
@@ -1636,7 +1643,7 @@
           <a:p>
             <a:fld id="{46D9A6F5-1E9F-4F7F-B335-C9B2093BF1AB}" type="datetimeFigureOut">
               <a:rPr lang="en-GB" smtClean="0"/>
-              <a:t>27/07/2016</a:t>
+              <a:t>28/07/2016</a:t>
             </a:fld>
             <a:endParaRPr lang="en-GB"/>
           </a:p>
@@ -2015,7 +2022,7 @@
           <a:p>
             <a:fld id="{46D9A6F5-1E9F-4F7F-B335-C9B2093BF1AB}" type="datetimeFigureOut">
               <a:rPr lang="en-GB" smtClean="0"/>
-              <a:t>27/07/2016</a:t>
+              <a:t>28/07/2016</a:t>
             </a:fld>
             <a:endParaRPr lang="en-GB"/>
           </a:p>
@@ -2133,7 +2140,7 @@
           <a:p>
             <a:fld id="{46D9A6F5-1E9F-4F7F-B335-C9B2093BF1AB}" type="datetimeFigureOut">
               <a:rPr lang="en-GB" smtClean="0"/>
-              <a:t>27/07/2016</a:t>
+              <a:t>28/07/2016</a:t>
             </a:fld>
             <a:endParaRPr lang="en-GB"/>
           </a:p>
@@ -2304,7 +2311,7 @@
           <a:p>
             <a:fld id="{46D9A6F5-1E9F-4F7F-B335-C9B2093BF1AB}" type="datetimeFigureOut">
               <a:rPr lang="en-GB" smtClean="0"/>
-              <a:t>27/07/2016</a:t>
+              <a:t>28/07/2016</a:t>
             </a:fld>
             <a:endParaRPr lang="en-GB"/>
           </a:p>
@@ -2658,7 +2665,7 @@
           <a:p>
             <a:fld id="{46D9A6F5-1E9F-4F7F-B335-C9B2093BF1AB}" type="datetimeFigureOut">
               <a:rPr lang="en-GB" smtClean="0"/>
-              <a:t>27/07/2016</a:t>
+              <a:t>28/07/2016</a:t>
             </a:fld>
             <a:endParaRPr lang="en-GB"/>
           </a:p>
@@ -3040,7 +3047,7 @@
           <a:p>
             <a:fld id="{46D9A6F5-1E9F-4F7F-B335-C9B2093BF1AB}" type="datetimeFigureOut">
               <a:rPr lang="en-GB" smtClean="0"/>
-              <a:t>27/07/2016</a:t>
+              <a:t>28/07/2016</a:t>
             </a:fld>
             <a:endParaRPr lang="en-GB"/>
           </a:p>
@@ -3327,7 +3334,7 @@
           <a:p>
             <a:fld id="{46D9A6F5-1E9F-4F7F-B335-C9B2093BF1AB}" type="datetimeFigureOut">
               <a:rPr lang="en-GB" smtClean="0"/>
-              <a:t>27/07/2016</a:t>
+              <a:t>28/07/2016</a:t>
             </a:fld>
             <a:endParaRPr lang="en-GB"/>
           </a:p>
@@ -3893,7 +3900,7 @@
         </p:nvSpPr>
         <p:spPr>
           <a:xfrm>
-            <a:off x="4133548" y="4281339"/>
+            <a:off x="4201282" y="4258761"/>
             <a:ext cx="3976410" cy="369332"/>
           </a:xfrm>
           <a:prstGeom prst="rect">
@@ -4385,29 +4392,42 @@
             <p:ph type="title"/>
           </p:nvPr>
         </p:nvSpPr>
-        <p:spPr>
-          <a:xfrm>
-            <a:off x="1085991" y="2126692"/>
-            <a:ext cx="10058400" cy="1450757"/>
-          </a:xfrm>
-        </p:spPr>
-        <p:txBody>
-          <a:bodyPr/>
-          <a:lstStyle/>
-          <a:p>
-            <a:pPr algn="ctr"/>
+        <p:spPr/>
+        <p:txBody>
+          <a:bodyPr/>
+          <a:lstStyle/>
+          <a:p>
             <a:r>
               <a:rPr lang="en-US" dirty="0" smtClean="0"/>
-              <a:t>Spring query object</a:t>
+              <a:t>Typed Row to Object Mapping</a:t>
             </a:r>
             <a:endParaRPr lang="en-GB" dirty="0"/>
+          </a:p>
+        </p:txBody>
+      </p:sp>
+      <p:sp>
+        <p:nvSpPr>
+          <p:cNvPr id="3" name="Content Placeholder 2"/>
+          <p:cNvSpPr>
+            <a:spLocks noGrp="1"/>
+          </p:cNvSpPr>
+          <p:nvPr>
+            <p:ph idx="1"/>
+          </p:nvPr>
+        </p:nvSpPr>
+        <p:spPr/>
+        <p:txBody>
+          <a:bodyPr/>
+          <a:lstStyle/>
+          <a:p>
+            <a:endParaRPr lang="en-GB"/>
           </a:p>
         </p:txBody>
       </p:sp>
     </p:spTree>
     <p:extLst>
       <p:ext uri="{BB962C8B-B14F-4D97-AF65-F5344CB8AC3E}">
-        <p14:creationId xmlns:p14="http://schemas.microsoft.com/office/powerpoint/2010/main" val="906026866"/>
+        <p14:creationId xmlns:p14="http://schemas.microsoft.com/office/powerpoint/2010/main" val="3875209058"/>
       </p:ext>
     </p:extLst>
   </p:cSld>
@@ -4456,42 +4476,33 @@
           <a:bodyPr/>
           <a:lstStyle/>
           <a:p>
-            <a:r>
-              <a:rPr lang="en-US" dirty="0" smtClean="0"/>
-              <a:t>Spring query object</a:t>
-            </a:r>
-            <a:endParaRPr lang="en-GB" dirty="0"/>
-          </a:p>
-        </p:txBody>
-      </p:sp>
-      <p:pic>
-        <p:nvPicPr>
-          <p:cNvPr id="4" name="Picture 3"/>
-          <p:cNvPicPr>
-            <a:picLocks noChangeAspect="1"/>
-          </p:cNvPicPr>
-          <p:nvPr/>
-        </p:nvPicPr>
-        <p:blipFill>
-          <a:blip r:embed="rId2"/>
-          <a:stretch>
-            <a:fillRect/>
-          </a:stretch>
-        </p:blipFill>
-        <p:spPr>
-          <a:xfrm>
-            <a:off x="1178278" y="1861256"/>
-            <a:ext cx="5807360" cy="3896077"/>
-          </a:xfrm>
-          <a:prstGeom prst="rect">
-            <a:avLst/>
-          </a:prstGeom>
-        </p:spPr>
-      </p:pic>
+            <a:endParaRPr lang="en-GB"/>
+          </a:p>
+        </p:txBody>
+      </p:sp>
+      <p:sp>
+        <p:nvSpPr>
+          <p:cNvPr id="3" name="Content Placeholder 2"/>
+          <p:cNvSpPr>
+            <a:spLocks noGrp="1"/>
+          </p:cNvSpPr>
+          <p:nvPr>
+            <p:ph idx="1"/>
+          </p:nvPr>
+        </p:nvSpPr>
+        <p:spPr/>
+        <p:txBody>
+          <a:bodyPr/>
+          <a:lstStyle/>
+          <a:p>
+            <a:endParaRPr lang="en-GB"/>
+          </a:p>
+        </p:txBody>
+      </p:sp>
     </p:spTree>
     <p:extLst>
       <p:ext uri="{BB962C8B-B14F-4D97-AF65-F5344CB8AC3E}">
-        <p14:creationId xmlns:p14="http://schemas.microsoft.com/office/powerpoint/2010/main" val="2938433882"/>
+        <p14:creationId xmlns:p14="http://schemas.microsoft.com/office/powerpoint/2010/main" val="3349715351"/>
       </p:ext>
     </p:extLst>
   </p:cSld>
@@ -4540,42 +4551,33 @@
           <a:bodyPr/>
           <a:lstStyle/>
           <a:p>
-            <a:r>
-              <a:rPr lang="en-US" dirty="0" smtClean="0"/>
-              <a:t>Spring query object process</a:t>
-            </a:r>
-            <a:endParaRPr lang="en-GB" dirty="0"/>
-          </a:p>
-        </p:txBody>
-      </p:sp>
-      <p:pic>
-        <p:nvPicPr>
-          <p:cNvPr id="4" name="Picture 3"/>
-          <p:cNvPicPr>
-            <a:picLocks noChangeAspect="1"/>
-          </p:cNvPicPr>
-          <p:nvPr/>
-        </p:nvPicPr>
-        <p:blipFill>
-          <a:blip r:embed="rId2"/>
-          <a:stretch>
-            <a:fillRect/>
-          </a:stretch>
-        </p:blipFill>
-        <p:spPr>
-          <a:xfrm>
-            <a:off x="1231370" y="1972909"/>
-            <a:ext cx="6410325" cy="3476625"/>
-          </a:xfrm>
-          <a:prstGeom prst="rect">
-            <a:avLst/>
-          </a:prstGeom>
-        </p:spPr>
-      </p:pic>
+            <a:endParaRPr lang="en-GB"/>
+          </a:p>
+        </p:txBody>
+      </p:sp>
+      <p:sp>
+        <p:nvSpPr>
+          <p:cNvPr id="3" name="Content Placeholder 2"/>
+          <p:cNvSpPr>
+            <a:spLocks noGrp="1"/>
+          </p:cNvSpPr>
+          <p:nvPr>
+            <p:ph idx="1"/>
+          </p:nvPr>
+        </p:nvSpPr>
+        <p:spPr/>
+        <p:txBody>
+          <a:bodyPr/>
+          <a:lstStyle/>
+          <a:p>
+            <a:endParaRPr lang="en-GB"/>
+          </a:p>
+        </p:txBody>
+      </p:sp>
     </p:spTree>
     <p:extLst>
       <p:ext uri="{BB962C8B-B14F-4D97-AF65-F5344CB8AC3E}">
-        <p14:creationId xmlns:p14="http://schemas.microsoft.com/office/powerpoint/2010/main" val="1495418787"/>
+        <p14:creationId xmlns:p14="http://schemas.microsoft.com/office/powerpoint/2010/main" val="1262393009"/>
       </p:ext>
     </p:extLst>
   </p:cSld>
@@ -4624,42 +4626,33 @@
           <a:bodyPr/>
           <a:lstStyle/>
           <a:p>
-            <a:r>
-              <a:rPr lang="en-US" dirty="0" smtClean="0"/>
-              <a:t>Spring query object process</a:t>
-            </a:r>
-            <a:endParaRPr lang="en-GB" dirty="0"/>
-          </a:p>
-        </p:txBody>
-      </p:sp>
-      <p:pic>
-        <p:nvPicPr>
-          <p:cNvPr id="4" name="Picture 3"/>
-          <p:cNvPicPr>
-            <a:picLocks noChangeAspect="1"/>
-          </p:cNvPicPr>
-          <p:nvPr/>
-        </p:nvPicPr>
-        <p:blipFill>
-          <a:blip r:embed="rId2"/>
-          <a:stretch>
-            <a:fillRect/>
-          </a:stretch>
-        </p:blipFill>
-        <p:spPr>
-          <a:xfrm>
-            <a:off x="1238073" y="1961621"/>
-            <a:ext cx="6238875" cy="3476625"/>
-          </a:xfrm>
-          <a:prstGeom prst="rect">
-            <a:avLst/>
-          </a:prstGeom>
-        </p:spPr>
-      </p:pic>
+            <a:endParaRPr lang="en-GB"/>
+          </a:p>
+        </p:txBody>
+      </p:sp>
+      <p:sp>
+        <p:nvSpPr>
+          <p:cNvPr id="3" name="Content Placeholder 2"/>
+          <p:cNvSpPr>
+            <a:spLocks noGrp="1"/>
+          </p:cNvSpPr>
+          <p:nvPr>
+            <p:ph idx="1"/>
+          </p:nvPr>
+        </p:nvSpPr>
+        <p:spPr/>
+        <p:txBody>
+          <a:bodyPr/>
+          <a:lstStyle/>
+          <a:p>
+            <a:endParaRPr lang="en-GB"/>
+          </a:p>
+        </p:txBody>
+      </p:sp>
     </p:spTree>
     <p:extLst>
       <p:ext uri="{BB962C8B-B14F-4D97-AF65-F5344CB8AC3E}">
-        <p14:creationId xmlns:p14="http://schemas.microsoft.com/office/powerpoint/2010/main" val="3007926657"/>
+        <p14:creationId xmlns:p14="http://schemas.microsoft.com/office/powerpoint/2010/main" val="3297191405"/>
       </p:ext>
     </p:extLst>
   </p:cSld>
@@ -4708,42 +4701,33 @@
           <a:bodyPr/>
           <a:lstStyle/>
           <a:p>
-            <a:r>
-              <a:rPr lang="en-US" dirty="0" smtClean="0"/>
-              <a:t>Setup DAO</a:t>
-            </a:r>
-            <a:endParaRPr lang="en-GB" dirty="0"/>
-          </a:p>
-        </p:txBody>
-      </p:sp>
-      <p:pic>
-        <p:nvPicPr>
-          <p:cNvPr id="4" name="Picture 3"/>
-          <p:cNvPicPr>
-            <a:picLocks noChangeAspect="1"/>
-          </p:cNvPicPr>
-          <p:nvPr/>
-        </p:nvPicPr>
-        <p:blipFill>
-          <a:blip r:embed="rId2"/>
-          <a:stretch>
-            <a:fillRect/>
-          </a:stretch>
-        </p:blipFill>
-        <p:spPr>
-          <a:xfrm>
-            <a:off x="1210169" y="2040995"/>
-            <a:ext cx="6477000" cy="2505075"/>
-          </a:xfrm>
-          <a:prstGeom prst="rect">
-            <a:avLst/>
-          </a:prstGeom>
-        </p:spPr>
-      </p:pic>
+            <a:endParaRPr lang="en-GB"/>
+          </a:p>
+        </p:txBody>
+      </p:sp>
+      <p:sp>
+        <p:nvSpPr>
+          <p:cNvPr id="3" name="Content Placeholder 2"/>
+          <p:cNvSpPr>
+            <a:spLocks noGrp="1"/>
+          </p:cNvSpPr>
+          <p:nvPr>
+            <p:ph idx="1"/>
+          </p:nvPr>
+        </p:nvSpPr>
+        <p:spPr/>
+        <p:txBody>
+          <a:bodyPr/>
+          <a:lstStyle/>
+          <a:p>
+            <a:endParaRPr lang="en-GB"/>
+          </a:p>
+        </p:txBody>
+      </p:sp>
     </p:spTree>
     <p:extLst>
       <p:ext uri="{BB962C8B-B14F-4D97-AF65-F5344CB8AC3E}">
-        <p14:creationId xmlns:p14="http://schemas.microsoft.com/office/powerpoint/2010/main" val="205268192"/>
+        <p14:creationId xmlns:p14="http://schemas.microsoft.com/office/powerpoint/2010/main" val="1437027857"/>
       </p:ext>
     </p:extLst>
   </p:cSld>
@@ -4911,42 +4895,33 @@
           <a:bodyPr/>
           <a:lstStyle/>
           <a:p>
-            <a:r>
-              <a:rPr lang="en-US" dirty="0" smtClean="0"/>
-              <a:t>Implement spring query object</a:t>
-            </a:r>
-            <a:endParaRPr lang="en-GB" dirty="0"/>
-          </a:p>
-        </p:txBody>
-      </p:sp>
-      <p:pic>
-        <p:nvPicPr>
-          <p:cNvPr id="4" name="Picture 3"/>
-          <p:cNvPicPr>
-            <a:picLocks noChangeAspect="1"/>
-          </p:cNvPicPr>
-          <p:nvPr/>
-        </p:nvPicPr>
-        <p:blipFill>
-          <a:blip r:embed="rId2"/>
-          <a:stretch>
-            <a:fillRect/>
-          </a:stretch>
-        </p:blipFill>
-        <p:spPr>
-          <a:xfrm>
-            <a:off x="1195564" y="2029354"/>
-            <a:ext cx="6572250" cy="3476625"/>
-          </a:xfrm>
-          <a:prstGeom prst="rect">
-            <a:avLst/>
-          </a:prstGeom>
-        </p:spPr>
-      </p:pic>
+            <a:endParaRPr lang="en-GB"/>
+          </a:p>
+        </p:txBody>
+      </p:sp>
+      <p:sp>
+        <p:nvSpPr>
+          <p:cNvPr id="3" name="Content Placeholder 2"/>
+          <p:cNvSpPr>
+            <a:spLocks noGrp="1"/>
+          </p:cNvSpPr>
+          <p:nvPr>
+            <p:ph idx="1"/>
+          </p:nvPr>
+        </p:nvSpPr>
+        <p:spPr/>
+        <p:txBody>
+          <a:bodyPr/>
+          <a:lstStyle/>
+          <a:p>
+            <a:endParaRPr lang="en-GB"/>
+          </a:p>
+        </p:txBody>
+      </p:sp>
     </p:spTree>
     <p:extLst>
       <p:ext uri="{BB962C8B-B14F-4D97-AF65-F5344CB8AC3E}">
-        <p14:creationId xmlns:p14="http://schemas.microsoft.com/office/powerpoint/2010/main" val="2075143857"/>
+        <p14:creationId xmlns:p14="http://schemas.microsoft.com/office/powerpoint/2010/main" val="3824360377"/>
       </p:ext>
     </p:extLst>
   </p:cSld>
@@ -4995,42 +4970,33 @@
           <a:bodyPr/>
           <a:lstStyle/>
           <a:p>
-            <a:r>
-              <a:rPr lang="en-US" dirty="0" smtClean="0"/>
-              <a:t>Initialize and cache spring query object</a:t>
-            </a:r>
-            <a:endParaRPr lang="en-GB" dirty="0"/>
-          </a:p>
-        </p:txBody>
-      </p:sp>
-      <p:pic>
-        <p:nvPicPr>
-          <p:cNvPr id="4" name="Picture 3"/>
-          <p:cNvPicPr>
-            <a:picLocks noChangeAspect="1"/>
-          </p:cNvPicPr>
-          <p:nvPr/>
-        </p:nvPicPr>
-        <p:blipFill>
-          <a:blip r:embed="rId2"/>
-          <a:stretch>
-            <a:fillRect/>
-          </a:stretch>
-        </p:blipFill>
-        <p:spPr>
-          <a:xfrm>
-            <a:off x="1240190" y="2035527"/>
-            <a:ext cx="6505575" cy="3238500"/>
-          </a:xfrm>
-          <a:prstGeom prst="rect">
-            <a:avLst/>
-          </a:prstGeom>
-        </p:spPr>
-      </p:pic>
+            <a:endParaRPr lang="en-GB"/>
+          </a:p>
+        </p:txBody>
+      </p:sp>
+      <p:sp>
+        <p:nvSpPr>
+          <p:cNvPr id="3" name="Content Placeholder 2"/>
+          <p:cNvSpPr>
+            <a:spLocks noGrp="1"/>
+          </p:cNvSpPr>
+          <p:nvPr>
+            <p:ph idx="1"/>
+          </p:nvPr>
+        </p:nvSpPr>
+        <p:spPr/>
+        <p:txBody>
+          <a:bodyPr/>
+          <a:lstStyle/>
+          <a:p>
+            <a:endParaRPr lang="en-GB"/>
+          </a:p>
+        </p:txBody>
+      </p:sp>
     </p:spTree>
     <p:extLst>
       <p:ext uri="{BB962C8B-B14F-4D97-AF65-F5344CB8AC3E}">
-        <p14:creationId xmlns:p14="http://schemas.microsoft.com/office/powerpoint/2010/main" val="1099972247"/>
+        <p14:creationId xmlns:p14="http://schemas.microsoft.com/office/powerpoint/2010/main" val="249480646"/>
       </p:ext>
     </p:extLst>
   </p:cSld>
@@ -5074,47 +5040,29 @@
             <p:ph type="title"/>
           </p:nvPr>
         </p:nvSpPr>
-        <p:spPr/>
-        <p:txBody>
-          <a:bodyPr/>
-          <a:lstStyle/>
-          <a:p>
+        <p:spPr>
+          <a:xfrm>
+            <a:off x="1085991" y="2126692"/>
+            <a:ext cx="10058400" cy="1450757"/>
+          </a:xfrm>
+        </p:spPr>
+        <p:txBody>
+          <a:bodyPr/>
+          <a:lstStyle/>
+          <a:p>
+            <a:pPr algn="ctr"/>
             <a:r>
               <a:rPr lang="en-US" dirty="0" smtClean="0"/>
-              <a:t>Integrate spring query object</a:t>
+              <a:t>Spring query object</a:t>
             </a:r>
             <a:endParaRPr lang="en-GB" dirty="0"/>
           </a:p>
         </p:txBody>
       </p:sp>
-      <p:pic>
-        <p:nvPicPr>
-          <p:cNvPr id="4" name="Picture 3"/>
-          <p:cNvPicPr>
-            <a:picLocks noChangeAspect="1"/>
-          </p:cNvPicPr>
-          <p:nvPr/>
-        </p:nvPicPr>
-        <p:blipFill>
-          <a:blip r:embed="rId2"/>
-          <a:stretch>
-            <a:fillRect/>
-          </a:stretch>
-        </p:blipFill>
-        <p:spPr>
-          <a:xfrm>
-            <a:off x="1266825" y="1942218"/>
-            <a:ext cx="6610350" cy="3876675"/>
-          </a:xfrm>
-          <a:prstGeom prst="rect">
-            <a:avLst/>
-          </a:prstGeom>
-        </p:spPr>
-      </p:pic>
     </p:spTree>
     <p:extLst>
       <p:ext uri="{BB962C8B-B14F-4D97-AF65-F5344CB8AC3E}">
-        <p14:creationId xmlns:p14="http://schemas.microsoft.com/office/powerpoint/2010/main" val="1192975038"/>
+        <p14:creationId xmlns:p14="http://schemas.microsoft.com/office/powerpoint/2010/main" val="906026866"/>
       </p:ext>
     </p:extLst>
   </p:cSld>
@@ -5165,7 +5113,7 @@
           <a:p>
             <a:r>
               <a:rPr lang="en-US" dirty="0" smtClean="0"/>
-              <a:t>DAO Bean</a:t>
+              <a:t>Spring query object</a:t>
             </a:r>
             <a:endParaRPr lang="en-GB" dirty="0"/>
           </a:p>
@@ -5187,8 +5135,8 @@
         </p:blipFill>
         <p:spPr>
           <a:xfrm>
-            <a:off x="1247776" y="1948744"/>
-            <a:ext cx="6648450" cy="2667000"/>
+            <a:off x="1178278" y="1861256"/>
+            <a:ext cx="5807360" cy="3896077"/>
           </a:xfrm>
           <a:prstGeom prst="rect">
             <a:avLst/>
@@ -5198,7 +5146,7 @@
     </p:spTree>
     <p:extLst>
       <p:ext uri="{BB962C8B-B14F-4D97-AF65-F5344CB8AC3E}">
-        <p14:creationId xmlns:p14="http://schemas.microsoft.com/office/powerpoint/2010/main" val="1996697997"/>
+        <p14:creationId xmlns:p14="http://schemas.microsoft.com/office/powerpoint/2010/main" val="2938433882"/>
       </p:ext>
     </p:extLst>
   </p:cSld>
@@ -5249,7 +5197,7 @@
           <a:p>
             <a:r>
               <a:rPr lang="en-US" dirty="0" smtClean="0"/>
-              <a:t>DAO Execution</a:t>
+              <a:t>Spring query object process</a:t>
             </a:r>
             <a:endParaRPr lang="en-GB" dirty="0"/>
           </a:p>
@@ -5271,8 +5219,8 @@
         </p:blipFill>
         <p:spPr>
           <a:xfrm>
-            <a:off x="1244036" y="2020887"/>
-            <a:ext cx="6515100" cy="3629025"/>
+            <a:off x="1231370" y="1972909"/>
+            <a:ext cx="6410325" cy="3476625"/>
           </a:xfrm>
           <a:prstGeom prst="rect">
             <a:avLst/>
@@ -5282,7 +5230,7 @@
     </p:spTree>
     <p:extLst>
       <p:ext uri="{BB962C8B-B14F-4D97-AF65-F5344CB8AC3E}">
-        <p14:creationId xmlns:p14="http://schemas.microsoft.com/office/powerpoint/2010/main" val="289626114"/>
+        <p14:creationId xmlns:p14="http://schemas.microsoft.com/office/powerpoint/2010/main" val="1495418787"/>
       </p:ext>
     </p:extLst>
   </p:cSld>
@@ -5326,29 +5274,47 @@
             <p:ph type="title"/>
           </p:nvPr>
         </p:nvSpPr>
-        <p:spPr>
-          <a:xfrm>
-            <a:off x="1198880" y="1968648"/>
-            <a:ext cx="10058400" cy="1450757"/>
-          </a:xfrm>
-        </p:spPr>
-        <p:txBody>
-          <a:bodyPr/>
-          <a:lstStyle/>
-          <a:p>
-            <a:pPr algn="ctr"/>
+        <p:spPr/>
+        <p:txBody>
+          <a:bodyPr/>
+          <a:lstStyle/>
+          <a:p>
             <a:r>
               <a:rPr lang="en-US" dirty="0" smtClean="0"/>
-              <a:t>Modifying the databases</a:t>
+              <a:t>Spring query object process</a:t>
             </a:r>
             <a:endParaRPr lang="en-GB" dirty="0"/>
           </a:p>
         </p:txBody>
       </p:sp>
+      <p:pic>
+        <p:nvPicPr>
+          <p:cNvPr id="4" name="Picture 3"/>
+          <p:cNvPicPr>
+            <a:picLocks noChangeAspect="1"/>
+          </p:cNvPicPr>
+          <p:nvPr/>
+        </p:nvPicPr>
+        <p:blipFill>
+          <a:blip r:embed="rId2"/>
+          <a:stretch>
+            <a:fillRect/>
+          </a:stretch>
+        </p:blipFill>
+        <p:spPr>
+          <a:xfrm>
+            <a:off x="1238073" y="1961621"/>
+            <a:ext cx="6238875" cy="3476625"/>
+          </a:xfrm>
+          <a:prstGeom prst="rect">
+            <a:avLst/>
+          </a:prstGeom>
+        </p:spPr>
+      </p:pic>
     </p:spTree>
     <p:extLst>
       <p:ext uri="{BB962C8B-B14F-4D97-AF65-F5344CB8AC3E}">
-        <p14:creationId xmlns:p14="http://schemas.microsoft.com/office/powerpoint/2010/main" val="3090008891"/>
+        <p14:creationId xmlns:p14="http://schemas.microsoft.com/office/powerpoint/2010/main" val="3007926657"/>
       </p:ext>
     </p:extLst>
   </p:cSld>
@@ -5399,7 +5365,7 @@
           <a:p>
             <a:r>
               <a:rPr lang="en-US" dirty="0" smtClean="0"/>
-              <a:t>Spring JDBC table update</a:t>
+              <a:t>Setup DAO</a:t>
             </a:r>
             <a:endParaRPr lang="en-GB" dirty="0"/>
           </a:p>
@@ -5421,8 +5387,8 @@
         </p:blipFill>
         <p:spPr>
           <a:xfrm>
-            <a:off x="1314098" y="2030060"/>
-            <a:ext cx="5447946" cy="3628538"/>
+            <a:off x="1210169" y="2040995"/>
+            <a:ext cx="6477000" cy="2505075"/>
           </a:xfrm>
           <a:prstGeom prst="rect">
             <a:avLst/>
@@ -5432,7 +5398,7 @@
     </p:spTree>
     <p:extLst>
       <p:ext uri="{BB962C8B-B14F-4D97-AF65-F5344CB8AC3E}">
-        <p14:creationId xmlns:p14="http://schemas.microsoft.com/office/powerpoint/2010/main" val="3960714629"/>
+        <p14:creationId xmlns:p14="http://schemas.microsoft.com/office/powerpoint/2010/main" val="205268192"/>
       </p:ext>
     </p:extLst>
   </p:cSld>
@@ -5483,7 +5449,7 @@
           <a:p>
             <a:r>
               <a:rPr lang="en-US" dirty="0" smtClean="0"/>
-              <a:t>Spring JDBC table update</a:t>
+              <a:t>Implement spring query object</a:t>
             </a:r>
             <a:endParaRPr lang="en-GB" dirty="0"/>
           </a:p>
@@ -5505,8 +5471,8 @@
         </p:blipFill>
         <p:spPr>
           <a:xfrm>
-            <a:off x="1256417" y="2034117"/>
-            <a:ext cx="5095875" cy="2247900"/>
+            <a:off x="1195564" y="2029354"/>
+            <a:ext cx="6572250" cy="3476625"/>
           </a:xfrm>
           <a:prstGeom prst="rect">
             <a:avLst/>
@@ -5516,7 +5482,7 @@
     </p:spTree>
     <p:extLst>
       <p:ext uri="{BB962C8B-B14F-4D97-AF65-F5344CB8AC3E}">
-        <p14:creationId xmlns:p14="http://schemas.microsoft.com/office/powerpoint/2010/main" val="3352768951"/>
+        <p14:creationId xmlns:p14="http://schemas.microsoft.com/office/powerpoint/2010/main" val="2075143857"/>
       </p:ext>
     </p:extLst>
   </p:cSld>
@@ -5567,7 +5533,7 @@
           <a:p>
             <a:r>
               <a:rPr lang="en-US" dirty="0" smtClean="0"/>
-              <a:t>DAO interface</a:t>
+              <a:t>Initialize and cache spring query object</a:t>
             </a:r>
             <a:endParaRPr lang="en-GB" dirty="0"/>
           </a:p>
@@ -5589,8 +5555,8 @@
         </p:blipFill>
         <p:spPr>
           <a:xfrm>
-            <a:off x="1209145" y="1984903"/>
-            <a:ext cx="5480733" cy="1740430"/>
+            <a:off x="1240190" y="2035527"/>
+            <a:ext cx="6505575" cy="3238500"/>
           </a:xfrm>
           <a:prstGeom prst="rect">
             <a:avLst/>
@@ -5600,7 +5566,7 @@
     </p:spTree>
     <p:extLst>
       <p:ext uri="{BB962C8B-B14F-4D97-AF65-F5344CB8AC3E}">
-        <p14:creationId xmlns:p14="http://schemas.microsoft.com/office/powerpoint/2010/main" val="3518967828"/>
+        <p14:creationId xmlns:p14="http://schemas.microsoft.com/office/powerpoint/2010/main" val="1099972247"/>
       </p:ext>
     </p:extLst>
   </p:cSld>
@@ -5651,7 +5617,7 @@
           <a:p>
             <a:r>
               <a:rPr lang="en-US" dirty="0" smtClean="0"/>
-              <a:t>Set DAO</a:t>
+              <a:t>Integrate spring query object</a:t>
             </a:r>
             <a:endParaRPr lang="en-GB" dirty="0"/>
           </a:p>
@@ -5673,8 +5639,8 @@
         </p:blipFill>
         <p:spPr>
           <a:xfrm>
-            <a:off x="1224140" y="1997005"/>
-            <a:ext cx="5683040" cy="2258906"/>
+            <a:off x="1266825" y="1942218"/>
+            <a:ext cx="6610350" cy="3876675"/>
           </a:xfrm>
           <a:prstGeom prst="rect">
             <a:avLst/>
@@ -5684,7 +5650,7 @@
     </p:spTree>
     <p:extLst>
       <p:ext uri="{BB962C8B-B14F-4D97-AF65-F5344CB8AC3E}">
-        <p14:creationId xmlns:p14="http://schemas.microsoft.com/office/powerpoint/2010/main" val="3475690581"/>
+        <p14:creationId xmlns:p14="http://schemas.microsoft.com/office/powerpoint/2010/main" val="1192975038"/>
       </p:ext>
     </p:extLst>
   </p:cSld>
@@ -5800,7 +5766,7 @@
           <a:p>
             <a:r>
               <a:rPr lang="en-US" dirty="0" smtClean="0"/>
-              <a:t>Implement parameter mapping</a:t>
+              <a:t>DAO Bean</a:t>
             </a:r>
             <a:endParaRPr lang="en-GB" dirty="0"/>
           </a:p>
@@ -5822,8 +5788,8 @@
         </p:blipFill>
         <p:spPr>
           <a:xfrm>
-            <a:off x="1097280" y="1986668"/>
-            <a:ext cx="5276850" cy="2162175"/>
+            <a:off x="1247776" y="1948744"/>
+            <a:ext cx="6648450" cy="2667000"/>
           </a:xfrm>
           <a:prstGeom prst="rect">
             <a:avLst/>
@@ -5833,7 +5799,7 @@
     </p:spTree>
     <p:extLst>
       <p:ext uri="{BB962C8B-B14F-4D97-AF65-F5344CB8AC3E}">
-        <p14:creationId xmlns:p14="http://schemas.microsoft.com/office/powerpoint/2010/main" val="2937566408"/>
+        <p14:creationId xmlns:p14="http://schemas.microsoft.com/office/powerpoint/2010/main" val="1996697997"/>
       </p:ext>
     </p:extLst>
   </p:cSld>
@@ -5884,7 +5850,7 @@
           <a:p>
             <a:r>
               <a:rPr lang="en-US" dirty="0" smtClean="0"/>
-              <a:t>Implement save</a:t>
+              <a:t>DAO Execution</a:t>
             </a:r>
             <a:endParaRPr lang="en-GB" dirty="0"/>
           </a:p>
@@ -5906,8 +5872,8 @@
         </p:blipFill>
         <p:spPr>
           <a:xfrm>
-            <a:off x="1097280" y="2018948"/>
-            <a:ext cx="5200650" cy="3181350"/>
+            <a:off x="1244036" y="2020887"/>
+            <a:ext cx="6515100" cy="3629025"/>
           </a:xfrm>
           <a:prstGeom prst="rect">
             <a:avLst/>
@@ -5917,7 +5883,7 @@
     </p:spTree>
     <p:extLst>
       <p:ext uri="{BB962C8B-B14F-4D97-AF65-F5344CB8AC3E}">
-        <p14:creationId xmlns:p14="http://schemas.microsoft.com/office/powerpoint/2010/main" val="139263286"/>
+        <p14:creationId xmlns:p14="http://schemas.microsoft.com/office/powerpoint/2010/main" val="289626114"/>
       </p:ext>
     </p:extLst>
   </p:cSld>
@@ -5961,47 +5927,29 @@
             <p:ph type="title"/>
           </p:nvPr>
         </p:nvSpPr>
-        <p:spPr/>
-        <p:txBody>
-          <a:bodyPr/>
-          <a:lstStyle/>
-          <a:p>
+        <p:spPr>
+          <a:xfrm>
+            <a:off x="1198880" y="1968648"/>
+            <a:ext cx="10058400" cy="1450757"/>
+          </a:xfrm>
+        </p:spPr>
+        <p:txBody>
+          <a:bodyPr/>
+          <a:lstStyle/>
+          <a:p>
+            <a:pPr algn="ctr"/>
             <a:r>
               <a:rPr lang="en-US" dirty="0" smtClean="0"/>
-              <a:t>Implement delete</a:t>
+              <a:t>Modifying the databases</a:t>
             </a:r>
             <a:endParaRPr lang="en-GB" dirty="0"/>
           </a:p>
         </p:txBody>
       </p:sp>
-      <p:pic>
-        <p:nvPicPr>
-          <p:cNvPr id="4" name="Picture 3"/>
-          <p:cNvPicPr>
-            <a:picLocks noChangeAspect="1"/>
-          </p:cNvPicPr>
-          <p:nvPr/>
-        </p:nvPicPr>
-        <p:blipFill>
-          <a:blip r:embed="rId2"/>
-          <a:stretch>
-            <a:fillRect/>
-          </a:stretch>
-        </p:blipFill>
-        <p:spPr>
-          <a:xfrm>
-            <a:off x="1196799" y="2060928"/>
-            <a:ext cx="5305425" cy="1562100"/>
-          </a:xfrm>
-          <a:prstGeom prst="rect">
-            <a:avLst/>
-          </a:prstGeom>
-        </p:spPr>
-      </p:pic>
     </p:spTree>
     <p:extLst>
       <p:ext uri="{BB962C8B-B14F-4D97-AF65-F5344CB8AC3E}">
-        <p14:creationId xmlns:p14="http://schemas.microsoft.com/office/powerpoint/2010/main" val="4158037612"/>
+        <p14:creationId xmlns:p14="http://schemas.microsoft.com/office/powerpoint/2010/main" val="3090008891"/>
       </p:ext>
     </p:extLst>
   </p:cSld>
@@ -6052,7 +6000,7 @@
           <a:p>
             <a:r>
               <a:rPr lang="en-US" dirty="0" smtClean="0"/>
-              <a:t>DAO Bean</a:t>
+              <a:t>Spring JDBC table update</a:t>
             </a:r>
             <a:endParaRPr lang="en-GB" dirty="0"/>
           </a:p>
@@ -6074,8 +6022,8 @@
         </p:blipFill>
         <p:spPr>
           <a:xfrm>
-            <a:off x="1198562" y="2051755"/>
-            <a:ext cx="5324475" cy="3048000"/>
+            <a:off x="1314098" y="2030060"/>
+            <a:ext cx="5447946" cy="3628538"/>
           </a:xfrm>
           <a:prstGeom prst="rect">
             <a:avLst/>
@@ -6085,7 +6033,7 @@
     </p:spTree>
     <p:extLst>
       <p:ext uri="{BB962C8B-B14F-4D97-AF65-F5344CB8AC3E}">
-        <p14:creationId xmlns:p14="http://schemas.microsoft.com/office/powerpoint/2010/main" val="2886438501"/>
+        <p14:creationId xmlns:p14="http://schemas.microsoft.com/office/powerpoint/2010/main" val="3960714629"/>
       </p:ext>
     </p:extLst>
   </p:cSld>
@@ -6136,7 +6084,7 @@
           <a:p>
             <a:r>
               <a:rPr lang="en-US" dirty="0" smtClean="0"/>
-              <a:t>Instantiate container</a:t>
+              <a:t>Spring JDBC table update</a:t>
             </a:r>
             <a:endParaRPr lang="en-GB" dirty="0"/>
           </a:p>
@@ -6158,8 +6106,8 @@
         </p:blipFill>
         <p:spPr>
           <a:xfrm>
-            <a:off x="1257475" y="1896532"/>
-            <a:ext cx="5617458" cy="2783149"/>
+            <a:off x="1256417" y="2034117"/>
+            <a:ext cx="5095875" cy="2247900"/>
           </a:xfrm>
           <a:prstGeom prst="rect">
             <a:avLst/>
@@ -6169,7 +6117,7 @@
     </p:spTree>
     <p:extLst>
       <p:ext uri="{BB962C8B-B14F-4D97-AF65-F5344CB8AC3E}">
-        <p14:creationId xmlns:p14="http://schemas.microsoft.com/office/powerpoint/2010/main" val="4146894003"/>
+        <p14:creationId xmlns:p14="http://schemas.microsoft.com/office/powerpoint/2010/main" val="3352768951"/>
       </p:ext>
     </p:extLst>
   </p:cSld>
@@ -6220,7 +6168,7 @@
           <a:p>
             <a:r>
               <a:rPr lang="en-US" dirty="0" smtClean="0"/>
-              <a:t>Acquire beans</a:t>
+              <a:t>DAO interface</a:t>
             </a:r>
             <a:endParaRPr lang="en-GB" dirty="0"/>
           </a:p>
@@ -6242,8 +6190,8 @@
         </p:blipFill>
         <p:spPr>
           <a:xfrm>
-            <a:off x="1196798" y="2006423"/>
-            <a:ext cx="5305425" cy="3228975"/>
+            <a:off x="1209145" y="1984903"/>
+            <a:ext cx="5480733" cy="1740430"/>
           </a:xfrm>
           <a:prstGeom prst="rect">
             <a:avLst/>
@@ -6253,7 +6201,7 @@
     </p:spTree>
     <p:extLst>
       <p:ext uri="{BB962C8B-B14F-4D97-AF65-F5344CB8AC3E}">
-        <p14:creationId xmlns:p14="http://schemas.microsoft.com/office/powerpoint/2010/main" val="810850914"/>
+        <p14:creationId xmlns:p14="http://schemas.microsoft.com/office/powerpoint/2010/main" val="3518967828"/>
       </p:ext>
     </p:extLst>
   </p:cSld>
@@ -6304,7 +6252,7 @@
           <a:p>
             <a:r>
               <a:rPr lang="en-US" dirty="0" smtClean="0"/>
-              <a:t>Setup customer object</a:t>
+              <a:t>Set DAO</a:t>
             </a:r>
             <a:endParaRPr lang="en-GB" dirty="0"/>
           </a:p>
@@ -6326,8 +6274,8 @@
         </p:blipFill>
         <p:spPr>
           <a:xfrm>
-            <a:off x="1240189" y="1985080"/>
-            <a:ext cx="5722629" cy="2124075"/>
+            <a:off x="1224140" y="1997005"/>
+            <a:ext cx="5683040" cy="2258906"/>
           </a:xfrm>
           <a:prstGeom prst="rect">
             <a:avLst/>
@@ -6337,7 +6285,7 @@
     </p:spTree>
     <p:extLst>
       <p:ext uri="{BB962C8B-B14F-4D97-AF65-F5344CB8AC3E}">
-        <p14:creationId xmlns:p14="http://schemas.microsoft.com/office/powerpoint/2010/main" val="2619789551"/>
+        <p14:creationId xmlns:p14="http://schemas.microsoft.com/office/powerpoint/2010/main" val="3475690581"/>
       </p:ext>
     </p:extLst>
   </p:cSld>
@@ -6388,7 +6336,7 @@
           <a:p>
             <a:r>
               <a:rPr lang="en-US" dirty="0" smtClean="0"/>
-              <a:t>Save customer object</a:t>
+              <a:t>Implement parameter mapping</a:t>
             </a:r>
             <a:endParaRPr lang="en-GB" dirty="0"/>
           </a:p>
@@ -6396,7 +6344,7 @@
       </p:sp>
       <p:pic>
         <p:nvPicPr>
-          <p:cNvPr id="3" name="Picture 2"/>
+          <p:cNvPr id="4" name="Picture 3"/>
           <p:cNvPicPr>
             <a:picLocks noChangeAspect="1"/>
           </p:cNvPicPr>
@@ -6410,8 +6358,8 @@
         </p:blipFill>
         <p:spPr>
           <a:xfrm>
-            <a:off x="1266824" y="1991430"/>
-            <a:ext cx="6025798" cy="3768785"/>
+            <a:off x="1097280" y="1986668"/>
+            <a:ext cx="5276850" cy="2162175"/>
           </a:xfrm>
           <a:prstGeom prst="rect">
             <a:avLst/>
@@ -6421,7 +6369,7 @@
     </p:spTree>
     <p:extLst>
       <p:ext uri="{BB962C8B-B14F-4D97-AF65-F5344CB8AC3E}">
-        <p14:creationId xmlns:p14="http://schemas.microsoft.com/office/powerpoint/2010/main" val="664269936"/>
+        <p14:creationId xmlns:p14="http://schemas.microsoft.com/office/powerpoint/2010/main" val="2937566408"/>
       </p:ext>
     </p:extLst>
   </p:cSld>
@@ -6472,7 +6420,7 @@
           <a:p>
             <a:r>
               <a:rPr lang="en-US" dirty="0" smtClean="0"/>
-              <a:t>Update customer object</a:t>
+              <a:t>Implement save</a:t>
             </a:r>
             <a:endParaRPr lang="en-GB" dirty="0"/>
           </a:p>
@@ -6480,7 +6428,7 @@
       </p:sp>
       <p:pic>
         <p:nvPicPr>
-          <p:cNvPr id="3" name="Picture 2"/>
+          <p:cNvPr id="4" name="Picture 3"/>
           <p:cNvPicPr>
             <a:picLocks noChangeAspect="1"/>
           </p:cNvPicPr>
@@ -6494,8 +6442,8 @@
         </p:blipFill>
         <p:spPr>
           <a:xfrm>
-            <a:off x="1271058" y="1969735"/>
-            <a:ext cx="6269919" cy="3901059"/>
+            <a:off x="1097280" y="2018948"/>
+            <a:ext cx="5200650" cy="3181350"/>
           </a:xfrm>
           <a:prstGeom prst="rect">
             <a:avLst/>
@@ -6505,7 +6453,7 @@
     </p:spTree>
     <p:extLst>
       <p:ext uri="{BB962C8B-B14F-4D97-AF65-F5344CB8AC3E}">
-        <p14:creationId xmlns:p14="http://schemas.microsoft.com/office/powerpoint/2010/main" val="1253998703"/>
+        <p14:creationId xmlns:p14="http://schemas.microsoft.com/office/powerpoint/2010/main" val="139263286"/>
       </p:ext>
     </p:extLst>
   </p:cSld>
@@ -6556,7 +6504,7 @@
           <a:p>
             <a:r>
               <a:rPr lang="en-US" dirty="0" smtClean="0"/>
-              <a:t>Delete customer object</a:t>
+              <a:t>Implement delete</a:t>
             </a:r>
             <a:endParaRPr lang="en-GB" dirty="0"/>
           </a:p>
@@ -6578,32 +6526,8 @@
         </p:blipFill>
         <p:spPr>
           <a:xfrm>
-            <a:off x="1274585" y="1904999"/>
-            <a:ext cx="5668081" cy="3227377"/>
-          </a:xfrm>
-          <a:prstGeom prst="rect">
-            <a:avLst/>
-          </a:prstGeom>
-        </p:spPr>
-      </p:pic>
-      <p:pic>
-        <p:nvPicPr>
-          <p:cNvPr id="5" name="Picture 4"/>
-          <p:cNvPicPr>
-            <a:picLocks noChangeAspect="1"/>
-          </p:cNvPicPr>
-          <p:nvPr/>
-        </p:nvPicPr>
-        <p:blipFill>
-          <a:blip r:embed="rId3"/>
-          <a:stretch>
-            <a:fillRect/>
-          </a:stretch>
-        </p:blipFill>
-        <p:spPr>
-          <a:xfrm>
-            <a:off x="1421341" y="5132376"/>
-            <a:ext cx="5238750" cy="352425"/>
+            <a:off x="1196799" y="2060928"/>
+            <a:ext cx="5305425" cy="1562100"/>
           </a:xfrm>
           <a:prstGeom prst="rect">
             <a:avLst/>
@@ -6613,7 +6537,7 @@
     </p:spTree>
     <p:extLst>
       <p:ext uri="{BB962C8B-B14F-4D97-AF65-F5344CB8AC3E}">
-        <p14:creationId xmlns:p14="http://schemas.microsoft.com/office/powerpoint/2010/main" val="37307351"/>
+        <p14:creationId xmlns:p14="http://schemas.microsoft.com/office/powerpoint/2010/main" val="4158037612"/>
       </p:ext>
     </p:extLst>
   </p:cSld>
@@ -6752,7 +6676,7 @@
           <a:p>
             <a:r>
               <a:rPr lang="en-US" dirty="0" smtClean="0"/>
-              <a:t>Update customer object</a:t>
+              <a:t>DAO Bean</a:t>
             </a:r>
             <a:endParaRPr lang="en-GB" dirty="0"/>
           </a:p>
@@ -6774,32 +6698,8 @@
         </p:blipFill>
         <p:spPr>
           <a:xfrm>
-            <a:off x="1200326" y="1891946"/>
-            <a:ext cx="5922963" cy="3357401"/>
-          </a:xfrm>
-          <a:prstGeom prst="rect">
-            <a:avLst/>
-          </a:prstGeom>
-        </p:spPr>
-      </p:pic>
-      <p:pic>
-        <p:nvPicPr>
-          <p:cNvPr id="5" name="Picture 4"/>
-          <p:cNvPicPr>
-            <a:picLocks noChangeAspect="1"/>
-          </p:cNvPicPr>
-          <p:nvPr/>
-        </p:nvPicPr>
-        <p:blipFill>
-          <a:blip r:embed="rId3"/>
-          <a:stretch>
-            <a:fillRect/>
-          </a:stretch>
-        </p:blipFill>
-        <p:spPr>
-          <a:xfrm>
-            <a:off x="1398939" y="5249347"/>
-            <a:ext cx="5172075" cy="342900"/>
+            <a:off x="1198562" y="2051755"/>
+            <a:ext cx="5324475" cy="3048000"/>
           </a:xfrm>
           <a:prstGeom prst="rect">
             <a:avLst/>
@@ -6809,7 +6709,7 @@
     </p:spTree>
     <p:extLst>
       <p:ext uri="{BB962C8B-B14F-4D97-AF65-F5344CB8AC3E}">
-        <p14:creationId xmlns:p14="http://schemas.microsoft.com/office/powerpoint/2010/main" val="4235930768"/>
+        <p14:creationId xmlns:p14="http://schemas.microsoft.com/office/powerpoint/2010/main" val="2886438501"/>
       </p:ext>
     </p:extLst>
   </p:cSld>
@@ -6860,7 +6760,7 @@
           <a:p>
             <a:r>
               <a:rPr lang="en-US" dirty="0" smtClean="0"/>
-              <a:t>Delete customer object</a:t>
+              <a:t>Instantiate container</a:t>
             </a:r>
             <a:endParaRPr lang="en-GB" dirty="0"/>
           </a:p>
@@ -6882,32 +6782,8 @@
         </p:blipFill>
         <p:spPr>
           <a:xfrm>
-            <a:off x="1221669" y="1887184"/>
-            <a:ext cx="5879042" cy="3313453"/>
-          </a:xfrm>
-          <a:prstGeom prst="rect">
-            <a:avLst/>
-          </a:prstGeom>
-        </p:spPr>
-      </p:pic>
-      <p:pic>
-        <p:nvPicPr>
-          <p:cNvPr id="5" name="Picture 4"/>
-          <p:cNvPicPr>
-            <a:picLocks noChangeAspect="1"/>
-          </p:cNvPicPr>
-          <p:nvPr/>
-        </p:nvPicPr>
-        <p:blipFill>
-          <a:blip r:embed="rId3"/>
-          <a:stretch>
-            <a:fillRect/>
-          </a:stretch>
-        </p:blipFill>
-        <p:spPr>
-          <a:xfrm>
-            <a:off x="1434570" y="5200637"/>
-            <a:ext cx="5191125" cy="342900"/>
+            <a:off x="1257475" y="1896532"/>
+            <a:ext cx="5617458" cy="2783149"/>
           </a:xfrm>
           <a:prstGeom prst="rect">
             <a:avLst/>
@@ -6917,7 +6793,7 @@
     </p:spTree>
     <p:extLst>
       <p:ext uri="{BB962C8B-B14F-4D97-AF65-F5344CB8AC3E}">
-        <p14:creationId xmlns:p14="http://schemas.microsoft.com/office/powerpoint/2010/main" val="2539931324"/>
+        <p14:creationId xmlns:p14="http://schemas.microsoft.com/office/powerpoint/2010/main" val="4146894003"/>
       </p:ext>
     </p:extLst>
   </p:cSld>
@@ -6968,7 +6844,7 @@
           <a:p>
             <a:r>
               <a:rPr lang="en-US" dirty="0" smtClean="0"/>
-              <a:t>Summary </a:t>
+              <a:t>Acquire beans</a:t>
             </a:r>
             <a:endParaRPr lang="en-GB" dirty="0"/>
           </a:p>
@@ -6990,8 +6866,8 @@
         </p:blipFill>
         <p:spPr>
           <a:xfrm>
-            <a:off x="1200996" y="1868487"/>
-            <a:ext cx="5916689" cy="3809824"/>
+            <a:off x="1196798" y="2006423"/>
+            <a:ext cx="5305425" cy="3228975"/>
           </a:xfrm>
           <a:prstGeom prst="rect">
             <a:avLst/>
@@ -7001,7 +6877,7 @@
     </p:spTree>
     <p:extLst>
       <p:ext uri="{BB962C8B-B14F-4D97-AF65-F5344CB8AC3E}">
-        <p14:creationId xmlns:p14="http://schemas.microsoft.com/office/powerpoint/2010/main" val="1158744891"/>
+        <p14:creationId xmlns:p14="http://schemas.microsoft.com/office/powerpoint/2010/main" val="810850914"/>
       </p:ext>
     </p:extLst>
   </p:cSld>
@@ -7052,7 +6928,7 @@
           <a:p>
             <a:r>
               <a:rPr lang="en-US" dirty="0" smtClean="0"/>
-              <a:t>Summary </a:t>
+              <a:t>Setup customer object</a:t>
             </a:r>
             <a:endParaRPr lang="en-GB" dirty="0"/>
           </a:p>
@@ -7074,8 +6950,8 @@
         </p:blipFill>
         <p:spPr>
           <a:xfrm>
-            <a:off x="1198209" y="1961973"/>
-            <a:ext cx="5353105" cy="2271360"/>
+            <a:off x="1240189" y="1985080"/>
+            <a:ext cx="5722629" cy="2124075"/>
           </a:xfrm>
           <a:prstGeom prst="rect">
             <a:avLst/>
@@ -7085,7 +6961,583 @@
     </p:spTree>
     <p:extLst>
       <p:ext uri="{BB962C8B-B14F-4D97-AF65-F5344CB8AC3E}">
-        <p14:creationId xmlns:p14="http://schemas.microsoft.com/office/powerpoint/2010/main" val="2911356240"/>
+        <p14:creationId xmlns:p14="http://schemas.microsoft.com/office/powerpoint/2010/main" val="2619789551"/>
+      </p:ext>
+    </p:extLst>
+  </p:cSld>
+  <p:clrMapOvr>
+    <a:masterClrMapping/>
+  </p:clrMapOvr>
+  <p:timing>
+    <p:tnLst>
+      <p:par>
+        <p:cTn id="1" dur="indefinite" restart="never" nodeType="tmRoot"/>
+      </p:par>
+    </p:tnLst>
+  </p:timing>
+</p:sld>
+</file>
+
+<file path=ppt/slides/slide44.xml><?xml version="1.0" encoding="utf-8"?>
+<p:sld xmlns:a="http://schemas.openxmlformats.org/drawingml/2006/main" xmlns:r="http://schemas.openxmlformats.org/officeDocument/2006/relationships" xmlns:p="http://schemas.openxmlformats.org/presentationml/2006/main">
+  <p:cSld>
+    <p:spTree>
+      <p:nvGrpSpPr>
+        <p:cNvPr id="1" name=""/>
+        <p:cNvGrpSpPr/>
+        <p:nvPr/>
+      </p:nvGrpSpPr>
+      <p:grpSpPr>
+        <a:xfrm>
+          <a:off x="0" y="0"/>
+          <a:ext cx="0" cy="0"/>
+          <a:chOff x="0" y="0"/>
+          <a:chExt cx="0" cy="0"/>
+        </a:xfrm>
+      </p:grpSpPr>
+      <p:sp>
+        <p:nvSpPr>
+          <p:cNvPr id="2" name="Title 1"/>
+          <p:cNvSpPr>
+            <a:spLocks noGrp="1"/>
+          </p:cNvSpPr>
+          <p:nvPr>
+            <p:ph type="title"/>
+          </p:nvPr>
+        </p:nvSpPr>
+        <p:spPr/>
+        <p:txBody>
+          <a:bodyPr/>
+          <a:lstStyle/>
+          <a:p>
+            <a:r>
+              <a:rPr lang="en-US" dirty="0" smtClean="0"/>
+              <a:t>Save customer object</a:t>
+            </a:r>
+            <a:endParaRPr lang="en-GB" dirty="0"/>
+          </a:p>
+        </p:txBody>
+      </p:sp>
+      <p:pic>
+        <p:nvPicPr>
+          <p:cNvPr id="3" name="Picture 2"/>
+          <p:cNvPicPr>
+            <a:picLocks noChangeAspect="1"/>
+          </p:cNvPicPr>
+          <p:nvPr/>
+        </p:nvPicPr>
+        <p:blipFill>
+          <a:blip r:embed="rId2"/>
+          <a:stretch>
+            <a:fillRect/>
+          </a:stretch>
+        </p:blipFill>
+        <p:spPr>
+          <a:xfrm>
+            <a:off x="1266824" y="1991430"/>
+            <a:ext cx="6025798" cy="3768785"/>
+          </a:xfrm>
+          <a:prstGeom prst="rect">
+            <a:avLst/>
+          </a:prstGeom>
+        </p:spPr>
+      </p:pic>
+    </p:spTree>
+    <p:extLst>
+      <p:ext uri="{BB962C8B-B14F-4D97-AF65-F5344CB8AC3E}">
+        <p14:creationId xmlns:p14="http://schemas.microsoft.com/office/powerpoint/2010/main" val="664269936"/>
+      </p:ext>
+    </p:extLst>
+  </p:cSld>
+  <p:clrMapOvr>
+    <a:masterClrMapping/>
+  </p:clrMapOvr>
+  <p:timing>
+    <p:tnLst>
+      <p:par>
+        <p:cTn id="1" dur="indefinite" restart="never" nodeType="tmRoot"/>
+      </p:par>
+    </p:tnLst>
+  </p:timing>
+</p:sld>
+</file>
+
+<file path=ppt/slides/slide45.xml><?xml version="1.0" encoding="utf-8"?>
+<p:sld xmlns:a="http://schemas.openxmlformats.org/drawingml/2006/main" xmlns:r="http://schemas.openxmlformats.org/officeDocument/2006/relationships" xmlns:p="http://schemas.openxmlformats.org/presentationml/2006/main">
+  <p:cSld>
+    <p:spTree>
+      <p:nvGrpSpPr>
+        <p:cNvPr id="1" name=""/>
+        <p:cNvGrpSpPr/>
+        <p:nvPr/>
+      </p:nvGrpSpPr>
+      <p:grpSpPr>
+        <a:xfrm>
+          <a:off x="0" y="0"/>
+          <a:ext cx="0" cy="0"/>
+          <a:chOff x="0" y="0"/>
+          <a:chExt cx="0" cy="0"/>
+        </a:xfrm>
+      </p:grpSpPr>
+      <p:sp>
+        <p:nvSpPr>
+          <p:cNvPr id="2" name="Title 1"/>
+          <p:cNvSpPr>
+            <a:spLocks noGrp="1"/>
+          </p:cNvSpPr>
+          <p:nvPr>
+            <p:ph type="title"/>
+          </p:nvPr>
+        </p:nvSpPr>
+        <p:spPr/>
+        <p:txBody>
+          <a:bodyPr/>
+          <a:lstStyle/>
+          <a:p>
+            <a:r>
+              <a:rPr lang="en-US" dirty="0" smtClean="0"/>
+              <a:t>Update customer object</a:t>
+            </a:r>
+            <a:endParaRPr lang="en-GB" dirty="0"/>
+          </a:p>
+        </p:txBody>
+      </p:sp>
+      <p:pic>
+        <p:nvPicPr>
+          <p:cNvPr id="3" name="Picture 2"/>
+          <p:cNvPicPr>
+            <a:picLocks noChangeAspect="1"/>
+          </p:cNvPicPr>
+          <p:nvPr/>
+        </p:nvPicPr>
+        <p:blipFill>
+          <a:blip r:embed="rId2"/>
+          <a:stretch>
+            <a:fillRect/>
+          </a:stretch>
+        </p:blipFill>
+        <p:spPr>
+          <a:xfrm>
+            <a:off x="1271058" y="1969735"/>
+            <a:ext cx="6269919" cy="3901059"/>
+          </a:xfrm>
+          <a:prstGeom prst="rect">
+            <a:avLst/>
+          </a:prstGeom>
+        </p:spPr>
+      </p:pic>
+    </p:spTree>
+    <p:extLst>
+      <p:ext uri="{BB962C8B-B14F-4D97-AF65-F5344CB8AC3E}">
+        <p14:creationId xmlns:p14="http://schemas.microsoft.com/office/powerpoint/2010/main" val="1253998703"/>
+      </p:ext>
+    </p:extLst>
+  </p:cSld>
+  <p:clrMapOvr>
+    <a:masterClrMapping/>
+  </p:clrMapOvr>
+  <p:timing>
+    <p:tnLst>
+      <p:par>
+        <p:cTn id="1" dur="indefinite" restart="never" nodeType="tmRoot"/>
+      </p:par>
+    </p:tnLst>
+  </p:timing>
+</p:sld>
+</file>
+
+<file path=ppt/slides/slide46.xml><?xml version="1.0" encoding="utf-8"?>
+<p:sld xmlns:a="http://schemas.openxmlformats.org/drawingml/2006/main" xmlns:r="http://schemas.openxmlformats.org/officeDocument/2006/relationships" xmlns:p="http://schemas.openxmlformats.org/presentationml/2006/main">
+  <p:cSld>
+    <p:spTree>
+      <p:nvGrpSpPr>
+        <p:cNvPr id="1" name=""/>
+        <p:cNvGrpSpPr/>
+        <p:nvPr/>
+      </p:nvGrpSpPr>
+      <p:grpSpPr>
+        <a:xfrm>
+          <a:off x="0" y="0"/>
+          <a:ext cx="0" cy="0"/>
+          <a:chOff x="0" y="0"/>
+          <a:chExt cx="0" cy="0"/>
+        </a:xfrm>
+      </p:grpSpPr>
+      <p:sp>
+        <p:nvSpPr>
+          <p:cNvPr id="2" name="Title 1"/>
+          <p:cNvSpPr>
+            <a:spLocks noGrp="1"/>
+          </p:cNvSpPr>
+          <p:nvPr>
+            <p:ph type="title"/>
+          </p:nvPr>
+        </p:nvSpPr>
+        <p:spPr/>
+        <p:txBody>
+          <a:bodyPr/>
+          <a:lstStyle/>
+          <a:p>
+            <a:r>
+              <a:rPr lang="en-US" dirty="0" smtClean="0"/>
+              <a:t>Delete customer object</a:t>
+            </a:r>
+            <a:endParaRPr lang="en-GB" dirty="0"/>
+          </a:p>
+        </p:txBody>
+      </p:sp>
+      <p:pic>
+        <p:nvPicPr>
+          <p:cNvPr id="4" name="Picture 3"/>
+          <p:cNvPicPr>
+            <a:picLocks noChangeAspect="1"/>
+          </p:cNvPicPr>
+          <p:nvPr/>
+        </p:nvPicPr>
+        <p:blipFill>
+          <a:blip r:embed="rId2"/>
+          <a:stretch>
+            <a:fillRect/>
+          </a:stretch>
+        </p:blipFill>
+        <p:spPr>
+          <a:xfrm>
+            <a:off x="1274585" y="1904999"/>
+            <a:ext cx="5668081" cy="3227377"/>
+          </a:xfrm>
+          <a:prstGeom prst="rect">
+            <a:avLst/>
+          </a:prstGeom>
+        </p:spPr>
+      </p:pic>
+      <p:pic>
+        <p:nvPicPr>
+          <p:cNvPr id="5" name="Picture 4"/>
+          <p:cNvPicPr>
+            <a:picLocks noChangeAspect="1"/>
+          </p:cNvPicPr>
+          <p:nvPr/>
+        </p:nvPicPr>
+        <p:blipFill>
+          <a:blip r:embed="rId3"/>
+          <a:stretch>
+            <a:fillRect/>
+          </a:stretch>
+        </p:blipFill>
+        <p:spPr>
+          <a:xfrm>
+            <a:off x="1421341" y="5132376"/>
+            <a:ext cx="5238750" cy="352425"/>
+          </a:xfrm>
+          <a:prstGeom prst="rect">
+            <a:avLst/>
+          </a:prstGeom>
+        </p:spPr>
+      </p:pic>
+    </p:spTree>
+    <p:extLst>
+      <p:ext uri="{BB962C8B-B14F-4D97-AF65-F5344CB8AC3E}">
+        <p14:creationId xmlns:p14="http://schemas.microsoft.com/office/powerpoint/2010/main" val="37307351"/>
+      </p:ext>
+    </p:extLst>
+  </p:cSld>
+  <p:clrMapOvr>
+    <a:masterClrMapping/>
+  </p:clrMapOvr>
+  <p:timing>
+    <p:tnLst>
+      <p:par>
+        <p:cTn id="1" dur="indefinite" restart="never" nodeType="tmRoot"/>
+      </p:par>
+    </p:tnLst>
+  </p:timing>
+</p:sld>
+</file>
+
+<file path=ppt/slides/slide47.xml><?xml version="1.0" encoding="utf-8"?>
+<p:sld xmlns:a="http://schemas.openxmlformats.org/drawingml/2006/main" xmlns:r="http://schemas.openxmlformats.org/officeDocument/2006/relationships" xmlns:p="http://schemas.openxmlformats.org/presentationml/2006/main">
+  <p:cSld>
+    <p:spTree>
+      <p:nvGrpSpPr>
+        <p:cNvPr id="1" name=""/>
+        <p:cNvGrpSpPr/>
+        <p:nvPr/>
+      </p:nvGrpSpPr>
+      <p:grpSpPr>
+        <a:xfrm>
+          <a:off x="0" y="0"/>
+          <a:ext cx="0" cy="0"/>
+          <a:chOff x="0" y="0"/>
+          <a:chExt cx="0" cy="0"/>
+        </a:xfrm>
+      </p:grpSpPr>
+      <p:sp>
+        <p:nvSpPr>
+          <p:cNvPr id="2" name="Title 1"/>
+          <p:cNvSpPr>
+            <a:spLocks noGrp="1"/>
+          </p:cNvSpPr>
+          <p:nvPr>
+            <p:ph type="title"/>
+          </p:nvPr>
+        </p:nvSpPr>
+        <p:spPr/>
+        <p:txBody>
+          <a:bodyPr/>
+          <a:lstStyle/>
+          <a:p>
+            <a:r>
+              <a:rPr lang="en-US" dirty="0" smtClean="0"/>
+              <a:t>Update customer object</a:t>
+            </a:r>
+            <a:endParaRPr lang="en-GB" dirty="0"/>
+          </a:p>
+        </p:txBody>
+      </p:sp>
+      <p:pic>
+        <p:nvPicPr>
+          <p:cNvPr id="4" name="Picture 3"/>
+          <p:cNvPicPr>
+            <a:picLocks noChangeAspect="1"/>
+          </p:cNvPicPr>
+          <p:nvPr/>
+        </p:nvPicPr>
+        <p:blipFill>
+          <a:blip r:embed="rId2"/>
+          <a:stretch>
+            <a:fillRect/>
+          </a:stretch>
+        </p:blipFill>
+        <p:spPr>
+          <a:xfrm>
+            <a:off x="1200326" y="1891946"/>
+            <a:ext cx="5922963" cy="3357401"/>
+          </a:xfrm>
+          <a:prstGeom prst="rect">
+            <a:avLst/>
+          </a:prstGeom>
+        </p:spPr>
+      </p:pic>
+      <p:pic>
+        <p:nvPicPr>
+          <p:cNvPr id="5" name="Picture 4"/>
+          <p:cNvPicPr>
+            <a:picLocks noChangeAspect="1"/>
+          </p:cNvPicPr>
+          <p:nvPr/>
+        </p:nvPicPr>
+        <p:blipFill>
+          <a:blip r:embed="rId3"/>
+          <a:stretch>
+            <a:fillRect/>
+          </a:stretch>
+        </p:blipFill>
+        <p:spPr>
+          <a:xfrm>
+            <a:off x="1398939" y="5249347"/>
+            <a:ext cx="5172075" cy="342900"/>
+          </a:xfrm>
+          <a:prstGeom prst="rect">
+            <a:avLst/>
+          </a:prstGeom>
+        </p:spPr>
+      </p:pic>
+    </p:spTree>
+    <p:extLst>
+      <p:ext uri="{BB962C8B-B14F-4D97-AF65-F5344CB8AC3E}">
+        <p14:creationId xmlns:p14="http://schemas.microsoft.com/office/powerpoint/2010/main" val="4235930768"/>
+      </p:ext>
+    </p:extLst>
+  </p:cSld>
+  <p:clrMapOvr>
+    <a:masterClrMapping/>
+  </p:clrMapOvr>
+  <p:timing>
+    <p:tnLst>
+      <p:par>
+        <p:cTn id="1" dur="indefinite" restart="never" nodeType="tmRoot"/>
+      </p:par>
+    </p:tnLst>
+  </p:timing>
+</p:sld>
+</file>
+
+<file path=ppt/slides/slide48.xml><?xml version="1.0" encoding="utf-8"?>
+<p:sld xmlns:a="http://schemas.openxmlformats.org/drawingml/2006/main" xmlns:r="http://schemas.openxmlformats.org/officeDocument/2006/relationships" xmlns:p="http://schemas.openxmlformats.org/presentationml/2006/main">
+  <p:cSld>
+    <p:spTree>
+      <p:nvGrpSpPr>
+        <p:cNvPr id="1" name=""/>
+        <p:cNvGrpSpPr/>
+        <p:nvPr/>
+      </p:nvGrpSpPr>
+      <p:grpSpPr>
+        <a:xfrm>
+          <a:off x="0" y="0"/>
+          <a:ext cx="0" cy="0"/>
+          <a:chOff x="0" y="0"/>
+          <a:chExt cx="0" cy="0"/>
+        </a:xfrm>
+      </p:grpSpPr>
+      <p:sp>
+        <p:nvSpPr>
+          <p:cNvPr id="2" name="Title 1"/>
+          <p:cNvSpPr>
+            <a:spLocks noGrp="1"/>
+          </p:cNvSpPr>
+          <p:nvPr>
+            <p:ph type="title"/>
+          </p:nvPr>
+        </p:nvSpPr>
+        <p:spPr/>
+        <p:txBody>
+          <a:bodyPr/>
+          <a:lstStyle/>
+          <a:p>
+            <a:r>
+              <a:rPr lang="en-US" dirty="0" smtClean="0"/>
+              <a:t>Delete customer object</a:t>
+            </a:r>
+            <a:endParaRPr lang="en-GB" dirty="0"/>
+          </a:p>
+        </p:txBody>
+      </p:sp>
+      <p:pic>
+        <p:nvPicPr>
+          <p:cNvPr id="4" name="Picture 3"/>
+          <p:cNvPicPr>
+            <a:picLocks noChangeAspect="1"/>
+          </p:cNvPicPr>
+          <p:nvPr/>
+        </p:nvPicPr>
+        <p:blipFill>
+          <a:blip r:embed="rId2"/>
+          <a:stretch>
+            <a:fillRect/>
+          </a:stretch>
+        </p:blipFill>
+        <p:spPr>
+          <a:xfrm>
+            <a:off x="1221669" y="1887184"/>
+            <a:ext cx="5879042" cy="3313453"/>
+          </a:xfrm>
+          <a:prstGeom prst="rect">
+            <a:avLst/>
+          </a:prstGeom>
+        </p:spPr>
+      </p:pic>
+      <p:pic>
+        <p:nvPicPr>
+          <p:cNvPr id="5" name="Picture 4"/>
+          <p:cNvPicPr>
+            <a:picLocks noChangeAspect="1"/>
+          </p:cNvPicPr>
+          <p:nvPr/>
+        </p:nvPicPr>
+        <p:blipFill>
+          <a:blip r:embed="rId3"/>
+          <a:stretch>
+            <a:fillRect/>
+          </a:stretch>
+        </p:blipFill>
+        <p:spPr>
+          <a:xfrm>
+            <a:off x="1434570" y="5200637"/>
+            <a:ext cx="5191125" cy="342900"/>
+          </a:xfrm>
+          <a:prstGeom prst="rect">
+            <a:avLst/>
+          </a:prstGeom>
+        </p:spPr>
+      </p:pic>
+    </p:spTree>
+    <p:extLst>
+      <p:ext uri="{BB962C8B-B14F-4D97-AF65-F5344CB8AC3E}">
+        <p14:creationId xmlns:p14="http://schemas.microsoft.com/office/powerpoint/2010/main" val="2539931324"/>
+      </p:ext>
+    </p:extLst>
+  </p:cSld>
+  <p:clrMapOvr>
+    <a:masterClrMapping/>
+  </p:clrMapOvr>
+  <p:timing>
+    <p:tnLst>
+      <p:par>
+        <p:cTn id="1" dur="indefinite" restart="never" nodeType="tmRoot"/>
+      </p:par>
+    </p:tnLst>
+  </p:timing>
+</p:sld>
+</file>
+
+<file path=ppt/slides/slide49.xml><?xml version="1.0" encoding="utf-8"?>
+<p:sld xmlns:a="http://schemas.openxmlformats.org/drawingml/2006/main" xmlns:r="http://schemas.openxmlformats.org/officeDocument/2006/relationships" xmlns:p="http://schemas.openxmlformats.org/presentationml/2006/main">
+  <p:cSld>
+    <p:spTree>
+      <p:nvGrpSpPr>
+        <p:cNvPr id="1" name=""/>
+        <p:cNvGrpSpPr/>
+        <p:nvPr/>
+      </p:nvGrpSpPr>
+      <p:grpSpPr>
+        <a:xfrm>
+          <a:off x="0" y="0"/>
+          <a:ext cx="0" cy="0"/>
+          <a:chOff x="0" y="0"/>
+          <a:chExt cx="0" cy="0"/>
+        </a:xfrm>
+      </p:grpSpPr>
+      <p:sp>
+        <p:nvSpPr>
+          <p:cNvPr id="2" name="Title 1"/>
+          <p:cNvSpPr>
+            <a:spLocks noGrp="1"/>
+          </p:cNvSpPr>
+          <p:nvPr>
+            <p:ph type="title"/>
+          </p:nvPr>
+        </p:nvSpPr>
+        <p:spPr/>
+        <p:txBody>
+          <a:bodyPr/>
+          <a:lstStyle/>
+          <a:p>
+            <a:r>
+              <a:rPr lang="en-US" dirty="0" smtClean="0"/>
+              <a:t>Summary </a:t>
+            </a:r>
+            <a:endParaRPr lang="en-GB" dirty="0"/>
+          </a:p>
+        </p:txBody>
+      </p:sp>
+      <p:pic>
+        <p:nvPicPr>
+          <p:cNvPr id="4" name="Picture 3"/>
+          <p:cNvPicPr>
+            <a:picLocks noChangeAspect="1"/>
+          </p:cNvPicPr>
+          <p:nvPr/>
+        </p:nvPicPr>
+        <p:blipFill>
+          <a:blip r:embed="rId2"/>
+          <a:stretch>
+            <a:fillRect/>
+          </a:stretch>
+        </p:blipFill>
+        <p:spPr>
+          <a:xfrm>
+            <a:off x="1200996" y="1868487"/>
+            <a:ext cx="5916689" cy="3809824"/>
+          </a:xfrm>
+          <a:prstGeom prst="rect">
+            <a:avLst/>
+          </a:prstGeom>
+        </p:spPr>
+      </p:pic>
+    </p:spTree>
+    <p:extLst>
+      <p:ext uri="{BB962C8B-B14F-4D97-AF65-F5344CB8AC3E}">
+        <p14:creationId xmlns:p14="http://schemas.microsoft.com/office/powerpoint/2010/main" val="1158744891"/>
       </p:ext>
     </p:extLst>
   </p:cSld>
@@ -7170,6 +7622,90 @@
     <p:extLst>
       <p:ext uri="{BB962C8B-B14F-4D97-AF65-F5344CB8AC3E}">
         <p14:creationId xmlns:p14="http://schemas.microsoft.com/office/powerpoint/2010/main" val="236351501"/>
+      </p:ext>
+    </p:extLst>
+  </p:cSld>
+  <p:clrMapOvr>
+    <a:masterClrMapping/>
+  </p:clrMapOvr>
+  <p:timing>
+    <p:tnLst>
+      <p:par>
+        <p:cTn id="1" dur="indefinite" restart="never" nodeType="tmRoot"/>
+      </p:par>
+    </p:tnLst>
+  </p:timing>
+</p:sld>
+</file>
+
+<file path=ppt/slides/slide50.xml><?xml version="1.0" encoding="utf-8"?>
+<p:sld xmlns:a="http://schemas.openxmlformats.org/drawingml/2006/main" xmlns:r="http://schemas.openxmlformats.org/officeDocument/2006/relationships" xmlns:p="http://schemas.openxmlformats.org/presentationml/2006/main">
+  <p:cSld>
+    <p:spTree>
+      <p:nvGrpSpPr>
+        <p:cNvPr id="1" name=""/>
+        <p:cNvGrpSpPr/>
+        <p:nvPr/>
+      </p:nvGrpSpPr>
+      <p:grpSpPr>
+        <a:xfrm>
+          <a:off x="0" y="0"/>
+          <a:ext cx="0" cy="0"/>
+          <a:chOff x="0" y="0"/>
+          <a:chExt cx="0" cy="0"/>
+        </a:xfrm>
+      </p:grpSpPr>
+      <p:sp>
+        <p:nvSpPr>
+          <p:cNvPr id="2" name="Title 1"/>
+          <p:cNvSpPr>
+            <a:spLocks noGrp="1"/>
+          </p:cNvSpPr>
+          <p:nvPr>
+            <p:ph type="title"/>
+          </p:nvPr>
+        </p:nvSpPr>
+        <p:spPr/>
+        <p:txBody>
+          <a:bodyPr/>
+          <a:lstStyle/>
+          <a:p>
+            <a:r>
+              <a:rPr lang="en-US" dirty="0" smtClean="0"/>
+              <a:t>Summary </a:t>
+            </a:r>
+            <a:endParaRPr lang="en-GB" dirty="0"/>
+          </a:p>
+        </p:txBody>
+      </p:sp>
+      <p:pic>
+        <p:nvPicPr>
+          <p:cNvPr id="4" name="Picture 3"/>
+          <p:cNvPicPr>
+            <a:picLocks noChangeAspect="1"/>
+          </p:cNvPicPr>
+          <p:nvPr/>
+        </p:nvPicPr>
+        <p:blipFill>
+          <a:blip r:embed="rId2"/>
+          <a:stretch>
+            <a:fillRect/>
+          </a:stretch>
+        </p:blipFill>
+        <p:spPr>
+          <a:xfrm>
+            <a:off x="1198209" y="1961973"/>
+            <a:ext cx="5353105" cy="2271360"/>
+          </a:xfrm>
+          <a:prstGeom prst="rect">
+            <a:avLst/>
+          </a:prstGeom>
+        </p:spPr>
+      </p:pic>
+    </p:spTree>
+    <p:extLst>
+      <p:ext uri="{BB962C8B-B14F-4D97-AF65-F5344CB8AC3E}">
+        <p14:creationId xmlns:p14="http://schemas.microsoft.com/office/powerpoint/2010/main" val="2911356240"/>
       </p:ext>
     </p:extLst>
   </p:cSld>
